--- a/Documentation/Review 2 Group 3- SentiScope.pptx
+++ b/Documentation/Review 2 Group 3- SentiScope.pptx
@@ -17090,7 +17090,7 @@
           <a:p>
             <a:fld id="{F8A54592-6BA1-45FD-97C9-1DBF9D3A21D0}" type="datetimeFigureOut">
               <a:rPr lang="en-US" smtClean="0"/>
-              <a:t>11/28/2023</a:t>
+              <a:t>2/12/2024</a:t>
             </a:fld>
             <a:endParaRPr lang="en-US"/>
           </a:p>
@@ -17614,7 +17614,7 @@
           <a:p>
             <a:fld id="{24C0A770-BF9A-4A86-BB0F-039617F41630}" type="datetime1">
               <a:rPr lang="en-US" smtClean="0"/>
-              <a:t>11/28/2023</a:t>
+              <a:t>2/12/2024</a:t>
             </a:fld>
             <a:endParaRPr lang="en-US"/>
           </a:p>
@@ -17777,7 +17777,7 @@
           <a:p>
             <a:fld id="{A2B082A8-7022-4B2D-9FEE-976A397619D5}" type="datetime1">
               <a:rPr lang="en-US" smtClean="0"/>
-              <a:t>11/28/2023</a:t>
+              <a:t>2/12/2024</a:t>
             </a:fld>
             <a:endParaRPr lang="en-US"/>
           </a:p>
@@ -17950,7 +17950,7 @@
           <a:p>
             <a:fld id="{B6EFD22A-9D56-4606-8790-D1BD4FCB087A}" type="datetime1">
               <a:rPr lang="en-US" smtClean="0"/>
-              <a:t>11/28/2023</a:t>
+              <a:t>2/12/2024</a:t>
             </a:fld>
             <a:endParaRPr lang="en-US"/>
           </a:p>
@@ -18113,7 +18113,7 @@
           <a:p>
             <a:fld id="{6AE0E084-91E8-4251-8F6E-0B333FF07651}" type="datetime1">
               <a:rPr lang="en-US" smtClean="0"/>
-              <a:t>11/28/2023</a:t>
+              <a:t>2/12/2024</a:t>
             </a:fld>
             <a:endParaRPr lang="en-US"/>
           </a:p>
@@ -18353,7 +18353,7 @@
           <a:p>
             <a:fld id="{5252E8E1-AE5E-4742-B92B-87D98057F087}" type="datetime1">
               <a:rPr lang="en-US" smtClean="0"/>
-              <a:t>11/28/2023</a:t>
+              <a:t>2/12/2024</a:t>
             </a:fld>
             <a:endParaRPr lang="en-US"/>
           </a:p>
@@ -18633,7 +18633,7 @@
           <a:p>
             <a:fld id="{39BBDE97-BF1C-4604-BD55-3E78314D8C1F}" type="datetime1">
               <a:rPr lang="en-US" smtClean="0"/>
-              <a:t>11/28/2023</a:t>
+              <a:t>2/12/2024</a:t>
             </a:fld>
             <a:endParaRPr lang="en-US"/>
           </a:p>
@@ -19047,7 +19047,7 @@
           <a:p>
             <a:fld id="{2FE0C669-2FBD-4FDF-B63D-056ECBE68B44}" type="datetime1">
               <a:rPr lang="en-US" smtClean="0"/>
-              <a:t>11/28/2023</a:t>
+              <a:t>2/12/2024</a:t>
             </a:fld>
             <a:endParaRPr lang="en-US"/>
           </a:p>
@@ -19159,7 +19159,7 @@
           <a:p>
             <a:fld id="{4F079233-45B3-466B-8571-6435E605CD32}" type="datetime1">
               <a:rPr lang="en-US" smtClean="0"/>
-              <a:t>11/28/2023</a:t>
+              <a:t>2/12/2024</a:t>
             </a:fld>
             <a:endParaRPr lang="en-US"/>
           </a:p>
@@ -19249,7 +19249,7 @@
           <a:p>
             <a:fld id="{55A33534-BFB3-4280-9265-178E5C03CE93}" type="datetime1">
               <a:rPr lang="en-US" smtClean="0"/>
-              <a:t>11/28/2023</a:t>
+              <a:t>2/12/2024</a:t>
             </a:fld>
             <a:endParaRPr lang="en-US"/>
           </a:p>
@@ -19519,7 +19519,7 @@
           <a:p>
             <a:fld id="{03858358-F38B-4C1B-BD0E-C2FAF63BA1A3}" type="datetime1">
               <a:rPr lang="en-US" smtClean="0"/>
-              <a:t>11/28/2023</a:t>
+              <a:t>2/12/2024</a:t>
             </a:fld>
             <a:endParaRPr lang="en-US"/>
           </a:p>
@@ -19766,7 +19766,7 @@
           <a:p>
             <a:fld id="{0733A3E6-18BC-4D26-8F0E-33CFA48FE14F}" type="datetime1">
               <a:rPr lang="en-US" smtClean="0"/>
-              <a:t>11/28/2023</a:t>
+              <a:t>2/12/2024</a:t>
             </a:fld>
             <a:endParaRPr lang="en-US"/>
           </a:p>
@@ -19972,7 +19972,7 @@
           <a:p>
             <a:fld id="{44C942D8-F778-4806-8121-29894211CFA3}" type="datetime1">
               <a:rPr lang="en-US" smtClean="0"/>
-              <a:t>11/28/2023</a:t>
+              <a:t>2/12/2024</a:t>
             </a:fld>
             <a:endParaRPr lang="en-US"/>
           </a:p>
@@ -27262,78 +27262,112 @@
           <a:custGeom>
             <a:avLst/>
             <a:gdLst>
-              <a:gd name="connsiteX0" fmla="*/ 0 w 10853928"/>
+              <a:gd name="connsiteX0" fmla="*/ 0 w 8140446"/>
               <a:gd name="connsiteY0" fmla="*/ 0 h 18288"/>
-              <a:gd name="connsiteX1" fmla="*/ 461292 w 10853928"/>
+              <a:gd name="connsiteX1" fmla="*/ 434157 w 8140446"/>
               <a:gd name="connsiteY1" fmla="*/ 0 h 18288"/>
-              <a:gd name="connsiteX2" fmla="*/ 1139662 w 10853928"/>
+              <a:gd name="connsiteX2" fmla="*/ 1193932 w 8140446"/>
               <a:gd name="connsiteY2" fmla="*/ 0 h 18288"/>
-              <a:gd name="connsiteX3" fmla="*/ 1926572 w 10853928"/>
+              <a:gd name="connsiteX3" fmla="*/ 1628089 w 8140446"/>
               <a:gd name="connsiteY3" fmla="*/ 0 h 18288"/>
-              <a:gd name="connsiteX4" fmla="*/ 2279325 w 10853928"/>
+              <a:gd name="connsiteX4" fmla="*/ 2225055 w 8140446"/>
               <a:gd name="connsiteY4" fmla="*/ 0 h 18288"/>
-              <a:gd name="connsiteX5" fmla="*/ 2632078 w 10853928"/>
+              <a:gd name="connsiteX5" fmla="*/ 3066235 w 8140446"/>
               <a:gd name="connsiteY5" fmla="*/ 0 h 18288"/>
-              <a:gd name="connsiteX6" fmla="*/ 3527527 w 10853928"/>
+              <a:gd name="connsiteX6" fmla="*/ 3744605 w 8140446"/>
               <a:gd name="connsiteY6" fmla="*/ 0 h 18288"/>
-              <a:gd name="connsiteX7" fmla="*/ 4205897 w 10853928"/>
+              <a:gd name="connsiteX7" fmla="*/ 4504380 w 8140446"/>
               <a:gd name="connsiteY7" fmla="*/ 0 h 18288"/>
-              <a:gd name="connsiteX8" fmla="*/ 4558650 w 10853928"/>
+              <a:gd name="connsiteX8" fmla="*/ 5101346 w 8140446"/>
               <a:gd name="connsiteY8" fmla="*/ 0 h 18288"/>
-              <a:gd name="connsiteX9" fmla="*/ 5237020 w 10853928"/>
+              <a:gd name="connsiteX9" fmla="*/ 5779717 w 8140446"/>
               <a:gd name="connsiteY9" fmla="*/ 0 h 18288"/>
-              <a:gd name="connsiteX10" fmla="*/ 6132469 w 10853928"/>
+              <a:gd name="connsiteX10" fmla="*/ 6620896 w 8140446"/>
               <a:gd name="connsiteY10" fmla="*/ 0 h 18288"/>
-              <a:gd name="connsiteX11" fmla="*/ 6702301 w 10853928"/>
+              <a:gd name="connsiteX11" fmla="*/ 7136458 w 8140446"/>
               <a:gd name="connsiteY11" fmla="*/ 0 h 18288"/>
-              <a:gd name="connsiteX12" fmla="*/ 7272132 w 10853928"/>
+              <a:gd name="connsiteX12" fmla="*/ 8140446 w 8140446"/>
               <a:gd name="connsiteY12" fmla="*/ 0 h 18288"/>
-              <a:gd name="connsiteX13" fmla="*/ 7950502 w 10853928"/>
-              <a:gd name="connsiteY13" fmla="*/ 0 h 18288"/>
-              <a:gd name="connsiteX14" fmla="*/ 8737412 w 10853928"/>
-              <a:gd name="connsiteY14" fmla="*/ 0 h 18288"/>
-              <a:gd name="connsiteX15" fmla="*/ 9524322 w 10853928"/>
-              <a:gd name="connsiteY15" fmla="*/ 0 h 18288"/>
-              <a:gd name="connsiteX16" fmla="*/ 10853928 w 10853928"/>
-              <a:gd name="connsiteY16" fmla="*/ 0 h 18288"/>
-              <a:gd name="connsiteX17" fmla="*/ 10853928 w 10853928"/>
+              <a:gd name="connsiteX13" fmla="*/ 8140446 w 8140446"/>
+              <a:gd name="connsiteY13" fmla="*/ 18288 h 18288"/>
+              <a:gd name="connsiteX14" fmla="*/ 7543480 w 8140446"/>
+              <a:gd name="connsiteY14" fmla="*/ 18288 h 18288"/>
+              <a:gd name="connsiteX15" fmla="*/ 7109323 w 8140446"/>
+              <a:gd name="connsiteY15" fmla="*/ 18288 h 18288"/>
+              <a:gd name="connsiteX16" fmla="*/ 6430952 w 8140446"/>
+              <a:gd name="connsiteY16" fmla="*/ 18288 h 18288"/>
+              <a:gd name="connsiteX17" fmla="*/ 5915391 w 8140446"/>
               <a:gd name="connsiteY17" fmla="*/ 18288 h 18288"/>
-              <a:gd name="connsiteX18" fmla="*/ 10392636 w 10853928"/>
+              <a:gd name="connsiteX18" fmla="*/ 5237020 w 8140446"/>
               <a:gd name="connsiteY18" fmla="*/ 18288 h 18288"/>
-              <a:gd name="connsiteX19" fmla="*/ 9497187 w 10853928"/>
+              <a:gd name="connsiteX19" fmla="*/ 4558650 w 8140446"/>
               <a:gd name="connsiteY19" fmla="*/ 18288 h 18288"/>
-              <a:gd name="connsiteX20" fmla="*/ 8818817 w 10853928"/>
+              <a:gd name="connsiteX20" fmla="*/ 3880279 w 8140446"/>
               <a:gd name="connsiteY20" fmla="*/ 18288 h 18288"/>
-              <a:gd name="connsiteX21" fmla="*/ 8466064 w 10853928"/>
+              <a:gd name="connsiteX21" fmla="*/ 3201909 w 8140446"/>
               <a:gd name="connsiteY21" fmla="*/ 18288 h 18288"/>
-              <a:gd name="connsiteX22" fmla="*/ 7787693 w 10853928"/>
+              <a:gd name="connsiteX22" fmla="*/ 2604943 w 8140446"/>
               <a:gd name="connsiteY22" fmla="*/ 18288 h 18288"/>
-              <a:gd name="connsiteX23" fmla="*/ 7217862 w 10853928"/>
+              <a:gd name="connsiteX23" fmla="*/ 1845168 w 8140446"/>
               <a:gd name="connsiteY23" fmla="*/ 18288 h 18288"/>
-              <a:gd name="connsiteX24" fmla="*/ 6648031 w 10853928"/>
+              <a:gd name="connsiteX24" fmla="*/ 1166797 w 8140446"/>
               <a:gd name="connsiteY24" fmla="*/ 18288 h 18288"/>
-              <a:gd name="connsiteX25" fmla="*/ 6078200 w 10853928"/>
+              <a:gd name="connsiteX25" fmla="*/ 0 w 8140446"/>
               <a:gd name="connsiteY25" fmla="*/ 18288 h 18288"/>
-              <a:gd name="connsiteX26" fmla="*/ 5508368 w 10853928"/>
-              <a:gd name="connsiteY26" fmla="*/ 18288 h 18288"/>
-              <a:gd name="connsiteX27" fmla="*/ 4721459 w 10853928"/>
-              <a:gd name="connsiteY27" fmla="*/ 18288 h 18288"/>
-              <a:gd name="connsiteX28" fmla="*/ 4043088 w 10853928"/>
-              <a:gd name="connsiteY28" fmla="*/ 18288 h 18288"/>
-              <a:gd name="connsiteX29" fmla="*/ 3690336 w 10853928"/>
-              <a:gd name="connsiteY29" fmla="*/ 18288 h 18288"/>
-              <a:gd name="connsiteX30" fmla="*/ 3120504 w 10853928"/>
-              <a:gd name="connsiteY30" fmla="*/ 18288 h 18288"/>
-              <a:gd name="connsiteX31" fmla="*/ 2333595 w 10853928"/>
-              <a:gd name="connsiteY31" fmla="*/ 18288 h 18288"/>
-              <a:gd name="connsiteX32" fmla="*/ 1872303 w 10853928"/>
-              <a:gd name="connsiteY32" fmla="*/ 18288 h 18288"/>
-              <a:gd name="connsiteX33" fmla="*/ 976854 w 10853928"/>
-              <a:gd name="connsiteY33" fmla="*/ 18288 h 18288"/>
-              <a:gd name="connsiteX34" fmla="*/ 0 w 10853928"/>
-              <a:gd name="connsiteY34" fmla="*/ 18288 h 18288"/>
-              <a:gd name="connsiteX35" fmla="*/ 0 w 10853928"/>
-              <a:gd name="connsiteY35" fmla="*/ 0 h 18288"/>
+              <a:gd name="connsiteX26" fmla="*/ 0 w 8140446"/>
+              <a:gd name="connsiteY26" fmla="*/ 0 h 18288"/>
+              <a:gd name="connsiteX0" fmla="*/ 0 w 8140446"/>
+              <a:gd name="connsiteY0" fmla="*/ 0 h 18288"/>
+              <a:gd name="connsiteX1" fmla="*/ 596966 w 8140446"/>
+              <a:gd name="connsiteY1" fmla="*/ 0 h 18288"/>
+              <a:gd name="connsiteX2" fmla="*/ 1031123 w 8140446"/>
+              <a:gd name="connsiteY2" fmla="*/ 0 h 18288"/>
+              <a:gd name="connsiteX3" fmla="*/ 1872303 w 8140446"/>
+              <a:gd name="connsiteY3" fmla="*/ 0 h 18288"/>
+              <a:gd name="connsiteX4" fmla="*/ 2469269 w 8140446"/>
+              <a:gd name="connsiteY4" fmla="*/ 0 h 18288"/>
+              <a:gd name="connsiteX5" fmla="*/ 3066235 w 8140446"/>
+              <a:gd name="connsiteY5" fmla="*/ 0 h 18288"/>
+              <a:gd name="connsiteX6" fmla="*/ 3907414 w 8140446"/>
+              <a:gd name="connsiteY6" fmla="*/ 0 h 18288"/>
+              <a:gd name="connsiteX7" fmla="*/ 4422976 w 8140446"/>
+              <a:gd name="connsiteY7" fmla="*/ 0 h 18288"/>
+              <a:gd name="connsiteX8" fmla="*/ 5264155 w 8140446"/>
+              <a:gd name="connsiteY8" fmla="*/ 0 h 18288"/>
+              <a:gd name="connsiteX9" fmla="*/ 6105335 w 8140446"/>
+              <a:gd name="connsiteY9" fmla="*/ 0 h 18288"/>
+              <a:gd name="connsiteX10" fmla="*/ 6783705 w 8140446"/>
+              <a:gd name="connsiteY10" fmla="*/ 0 h 18288"/>
+              <a:gd name="connsiteX11" fmla="*/ 8140446 w 8140446"/>
+              <a:gd name="connsiteY11" fmla="*/ 0 h 18288"/>
+              <a:gd name="connsiteX12" fmla="*/ 8140446 w 8140446"/>
+              <a:gd name="connsiteY12" fmla="*/ 18288 h 18288"/>
+              <a:gd name="connsiteX13" fmla="*/ 7706289 w 8140446"/>
+              <a:gd name="connsiteY13" fmla="*/ 18288 h 18288"/>
+              <a:gd name="connsiteX14" fmla="*/ 6865109 w 8140446"/>
+              <a:gd name="connsiteY14" fmla="*/ 18288 h 18288"/>
+              <a:gd name="connsiteX15" fmla="*/ 6349548 w 8140446"/>
+              <a:gd name="connsiteY15" fmla="*/ 18288 h 18288"/>
+              <a:gd name="connsiteX16" fmla="*/ 5671177 w 8140446"/>
+              <a:gd name="connsiteY16" fmla="*/ 18288 h 18288"/>
+              <a:gd name="connsiteX17" fmla="*/ 4829998 w 8140446"/>
+              <a:gd name="connsiteY17" fmla="*/ 18288 h 18288"/>
+              <a:gd name="connsiteX18" fmla="*/ 4151627 w 8140446"/>
+              <a:gd name="connsiteY18" fmla="*/ 18288 h 18288"/>
+              <a:gd name="connsiteX19" fmla="*/ 3717470 w 8140446"/>
+              <a:gd name="connsiteY19" fmla="*/ 18288 h 18288"/>
+              <a:gd name="connsiteX20" fmla="*/ 3201909 w 8140446"/>
+              <a:gd name="connsiteY20" fmla="*/ 18288 h 18288"/>
+              <a:gd name="connsiteX21" fmla="*/ 2360729 w 8140446"/>
+              <a:gd name="connsiteY21" fmla="*/ 18288 h 18288"/>
+              <a:gd name="connsiteX22" fmla="*/ 1682359 w 8140446"/>
+              <a:gd name="connsiteY22" fmla="*/ 18288 h 18288"/>
+              <a:gd name="connsiteX23" fmla="*/ 1166797 w 8140446"/>
+              <a:gd name="connsiteY23" fmla="*/ 18288 h 18288"/>
+              <a:gd name="connsiteX24" fmla="*/ 0 w 8140446"/>
+              <a:gd name="connsiteY24" fmla="*/ 18288 h 18288"/>
+              <a:gd name="connsiteX25" fmla="*/ 0 w 8140446"/>
+              <a:gd name="connsiteY25" fmla="*/ 0 h 18288"/>
             </a:gdLst>
             <a:ahLst/>
             <a:cxnLst>
@@ -27415,407 +27449,408 @@
               <a:cxn ang="0">
                 <a:pos x="connsiteX25" y="connsiteY25"/>
               </a:cxn>
-              <a:cxn ang="0">
-                <a:pos x="connsiteX26" y="connsiteY26"/>
-              </a:cxn>
-              <a:cxn ang="0">
-                <a:pos x="connsiteX27" y="connsiteY27"/>
-              </a:cxn>
-              <a:cxn ang="0">
-                <a:pos x="connsiteX28" y="connsiteY28"/>
-              </a:cxn>
-              <a:cxn ang="0">
-                <a:pos x="connsiteX29" y="connsiteY29"/>
-              </a:cxn>
-              <a:cxn ang="0">
-                <a:pos x="connsiteX30" y="connsiteY30"/>
-              </a:cxn>
-              <a:cxn ang="0">
-                <a:pos x="connsiteX31" y="connsiteY31"/>
-              </a:cxn>
-              <a:cxn ang="0">
-                <a:pos x="connsiteX32" y="connsiteY32"/>
-              </a:cxn>
-              <a:cxn ang="0">
-                <a:pos x="connsiteX33" y="connsiteY33"/>
-              </a:cxn>
-              <a:cxn ang="0">
-                <a:pos x="connsiteX34" y="connsiteY34"/>
-              </a:cxn>
-              <a:cxn ang="0">
-                <a:pos x="connsiteX35" y="connsiteY35"/>
-              </a:cxn>
             </a:cxnLst>
             <a:rect l="l" t="t" r="r" b="b"/>
             <a:pathLst>
-              <a:path w="10853928" h="18288" fill="none" extrusionOk="0">
+              <a:path w="8140446" h="18288" fill="none" extrusionOk="0">
                 <a:moveTo>
                   <a:pt x="0" y="0"/>
                 </a:moveTo>
                 <a:cubicBezTo>
-                  <a:pt x="146993" y="-19076"/>
-                  <a:pt x="347684" y="-4790"/>
-                  <a:pt x="461292" y="0"/>
+                  <a:pt x="87427" y="6231"/>
+                  <a:pt x="309612" y="-26324"/>
+                  <a:pt x="434157" y="0"/>
                 </a:cubicBezTo>
                 <a:cubicBezTo>
-                  <a:pt x="574900" y="4790"/>
-                  <a:pt x="808367" y="19821"/>
-                  <a:pt x="1139662" y="0"/>
+                  <a:pt x="536972" y="29330"/>
+                  <a:pt x="959392" y="28619"/>
+                  <a:pt x="1193932" y="0"/>
                 </a:cubicBezTo>
                 <a:cubicBezTo>
-                  <a:pt x="1470957" y="-19821"/>
-                  <a:pt x="1627405" y="5721"/>
-                  <a:pt x="1926572" y="0"/>
+                  <a:pt x="1446097" y="13819"/>
+                  <a:pt x="1471680" y="7203"/>
+                  <a:pt x="1628089" y="0"/>
                 </a:cubicBezTo>
                 <a:cubicBezTo>
-                  <a:pt x="2225739" y="-5721"/>
-                  <a:pt x="2137730" y="-3235"/>
-                  <a:pt x="2279325" y="0"/>
+                  <a:pt x="1817415" y="4047"/>
+                  <a:pt x="1949536" y="-59324"/>
+                  <a:pt x="2225055" y="0"/>
                 </a:cubicBezTo>
                 <a:cubicBezTo>
-                  <a:pt x="2420920" y="3235"/>
-                  <a:pt x="2456518" y="9685"/>
-                  <a:pt x="2632078" y="0"/>
+                  <a:pt x="2520490" y="18365"/>
+                  <a:pt x="2717469" y="18707"/>
+                  <a:pt x="3066235" y="0"/>
                 </a:cubicBezTo>
                 <a:cubicBezTo>
-                  <a:pt x="2807638" y="-9685"/>
-                  <a:pt x="3211516" y="-43007"/>
-                  <a:pt x="3527527" y="0"/>
+                  <a:pt x="3437075" y="3751"/>
+                  <a:pt x="3408347" y="31644"/>
+                  <a:pt x="3744605" y="0"/>
                 </a:cubicBezTo>
                 <a:cubicBezTo>
-                  <a:pt x="3843538" y="43007"/>
-                  <a:pt x="4058833" y="22042"/>
-                  <a:pt x="4205897" y="0"/>
+                  <a:pt x="4097249" y="-11527"/>
+                  <a:pt x="4249699" y="-32555"/>
+                  <a:pt x="4504380" y="0"/>
                 </a:cubicBezTo>
                 <a:cubicBezTo>
-                  <a:pt x="4352961" y="-22042"/>
-                  <a:pt x="4474805" y="-11846"/>
-                  <a:pt x="4558650" y="0"/>
+                  <a:pt x="4737570" y="17980"/>
+                  <a:pt x="4877497" y="1006"/>
+                  <a:pt x="5101346" y="0"/>
                 </a:cubicBezTo>
                 <a:cubicBezTo>
-                  <a:pt x="4642495" y="11846"/>
-                  <a:pt x="5041928" y="-6069"/>
-                  <a:pt x="5237020" y="0"/>
+                  <a:pt x="5359305" y="-15330"/>
+                  <a:pt x="5447195" y="7257"/>
+                  <a:pt x="5779717" y="0"/>
                 </a:cubicBezTo>
                 <a:cubicBezTo>
-                  <a:pt x="5432112" y="6069"/>
-                  <a:pt x="5943266" y="-17479"/>
-                  <a:pt x="6132469" y="0"/>
+                  <a:pt x="6090019" y="-17621"/>
+                  <a:pt x="6273151" y="4279"/>
+                  <a:pt x="6620896" y="0"/>
                 </a:cubicBezTo>
                 <a:cubicBezTo>
-                  <a:pt x="6321672" y="17479"/>
-                  <a:pt x="6483872" y="26234"/>
-                  <a:pt x="6702301" y="0"/>
+                  <a:pt x="6968586" y="34056"/>
+                  <a:pt x="6990073" y="23587"/>
+                  <a:pt x="7136458" y="0"/>
                 </a:cubicBezTo>
                 <a:cubicBezTo>
-                  <a:pt x="6920730" y="-26234"/>
-                  <a:pt x="6991194" y="-15156"/>
-                  <a:pt x="7272132" y="0"/>
+                  <a:pt x="7320575" y="20480"/>
+                  <a:pt x="7847401" y="-6173"/>
+                  <a:pt x="8140446" y="0"/>
                 </a:cubicBezTo>
                 <a:cubicBezTo>
-                  <a:pt x="7553070" y="15156"/>
-                  <a:pt x="7684444" y="-32961"/>
-                  <a:pt x="7950502" y="0"/>
+                  <a:pt x="8139878" y="7862"/>
+                  <a:pt x="8140227" y="13269"/>
+                  <a:pt x="8140446" y="18288"/>
                 </a:cubicBezTo>
                 <a:cubicBezTo>
-                  <a:pt x="8216560" y="32961"/>
-                  <a:pt x="8493290" y="-10491"/>
-                  <a:pt x="8737412" y="0"/>
+                  <a:pt x="7908069" y="-20636"/>
+                  <a:pt x="7683037" y="21977"/>
+                  <a:pt x="7543480" y="18288"/>
                 </a:cubicBezTo>
                 <a:cubicBezTo>
-                  <a:pt x="8981534" y="10491"/>
-                  <a:pt x="9191586" y="-13899"/>
-                  <a:pt x="9524322" y="0"/>
+                  <a:pt x="7393752" y="10050"/>
+                  <a:pt x="7221032" y="-3229"/>
+                  <a:pt x="7109323" y="18288"/>
                 </a:cubicBezTo>
                 <a:cubicBezTo>
-                  <a:pt x="9857058" y="13899"/>
-                  <a:pt x="10297509" y="7485"/>
-                  <a:pt x="10853928" y="0"/>
+                  <a:pt x="7015297" y="22483"/>
+                  <a:pt x="6599332" y="40899"/>
+                  <a:pt x="6430952" y="18288"/>
                 </a:cubicBezTo>
                 <a:cubicBezTo>
-                  <a:pt x="10854574" y="4451"/>
-                  <a:pt x="10854418" y="9226"/>
-                  <a:pt x="10853928" y="18288"/>
+                  <a:pt x="6292915" y="-34150"/>
+                  <a:pt x="6142305" y="21507"/>
+                  <a:pt x="5915391" y="18288"/>
                 </a:cubicBezTo>
                 <a:cubicBezTo>
-                  <a:pt x="10691638" y="28522"/>
-                  <a:pt x="10574319" y="29578"/>
-                  <a:pt x="10392636" y="18288"/>
+                  <a:pt x="5682725" y="47843"/>
+                  <a:pt x="5440566" y="31420"/>
+                  <a:pt x="5237020" y="18288"/>
                 </a:cubicBezTo>
                 <a:cubicBezTo>
-                  <a:pt x="10210953" y="6998"/>
-                  <a:pt x="9836277" y="-16742"/>
-                  <a:pt x="9497187" y="18288"/>
+                  <a:pt x="5046456" y="10577"/>
+                  <a:pt x="4706449" y="51976"/>
+                  <a:pt x="4558650" y="18288"/>
                 </a:cubicBezTo>
                 <a:cubicBezTo>
-                  <a:pt x="9158097" y="53318"/>
-                  <a:pt x="9119479" y="30714"/>
-                  <a:pt x="8818817" y="18288"/>
+                  <a:pt x="4361396" y="-987"/>
+                  <a:pt x="4145362" y="-22303"/>
+                  <a:pt x="3880279" y="18288"/>
                 </a:cubicBezTo>
                 <a:cubicBezTo>
-                  <a:pt x="8518155" y="5863"/>
-                  <a:pt x="8640037" y="6483"/>
-                  <a:pt x="8466064" y="18288"/>
+                  <a:pt x="3610716" y="25411"/>
+                  <a:pt x="3472690" y="4008"/>
+                  <a:pt x="3201909" y="18288"/>
                 </a:cubicBezTo>
                 <a:cubicBezTo>
-                  <a:pt x="8292091" y="30093"/>
-                  <a:pt x="7997656" y="18914"/>
-                  <a:pt x="7787693" y="18288"/>
+                  <a:pt x="2913595" y="35097"/>
+                  <a:pt x="2753317" y="-1149"/>
+                  <a:pt x="2604943" y="18288"/>
                 </a:cubicBezTo>
                 <a:cubicBezTo>
-                  <a:pt x="7577730" y="17662"/>
-                  <a:pt x="7412468" y="21416"/>
-                  <a:pt x="7217862" y="18288"/>
+                  <a:pt x="2450130" y="36989"/>
+                  <a:pt x="1974183" y="40159"/>
+                  <a:pt x="1845168" y="18288"/>
                 </a:cubicBezTo>
                 <a:cubicBezTo>
-                  <a:pt x="7023256" y="15160"/>
-                  <a:pt x="6898018" y="14824"/>
-                  <a:pt x="6648031" y="18288"/>
+                  <a:pt x="1677929" y="220"/>
+                  <a:pt x="1378098" y="-772"/>
+                  <a:pt x="1166797" y="18288"/>
                 </a:cubicBezTo>
                 <a:cubicBezTo>
-                  <a:pt x="6398044" y="21752"/>
-                  <a:pt x="6254402" y="38625"/>
-                  <a:pt x="6078200" y="18288"/>
-                </a:cubicBezTo>
-                <a:cubicBezTo>
-                  <a:pt x="5901998" y="-2049"/>
-                  <a:pt x="5622886" y="3213"/>
-                  <a:pt x="5508368" y="18288"/>
-                </a:cubicBezTo>
-                <a:cubicBezTo>
-                  <a:pt x="5393850" y="33363"/>
-                  <a:pt x="5036260" y="26830"/>
-                  <a:pt x="4721459" y="18288"/>
-                </a:cubicBezTo>
-                <a:cubicBezTo>
-                  <a:pt x="4406658" y="9746"/>
-                  <a:pt x="4239221" y="41551"/>
-                  <a:pt x="4043088" y="18288"/>
-                </a:cubicBezTo>
-                <a:cubicBezTo>
-                  <a:pt x="3846955" y="-4975"/>
-                  <a:pt x="3818802" y="34658"/>
-                  <a:pt x="3690336" y="18288"/>
-                </a:cubicBezTo>
-                <a:cubicBezTo>
-                  <a:pt x="3561870" y="1918"/>
-                  <a:pt x="3265491" y="42194"/>
-                  <a:pt x="3120504" y="18288"/>
-                </a:cubicBezTo>
-                <a:cubicBezTo>
-                  <a:pt x="2975517" y="-5618"/>
-                  <a:pt x="2720254" y="36673"/>
-                  <a:pt x="2333595" y="18288"/>
-                </a:cubicBezTo>
-                <a:cubicBezTo>
-                  <a:pt x="1946936" y="-97"/>
-                  <a:pt x="2097241" y="5776"/>
-                  <a:pt x="1872303" y="18288"/>
-                </a:cubicBezTo>
-                <a:cubicBezTo>
-                  <a:pt x="1647365" y="30800"/>
-                  <a:pt x="1282708" y="45380"/>
-                  <a:pt x="976854" y="18288"/>
-                </a:cubicBezTo>
-                <a:cubicBezTo>
-                  <a:pt x="671000" y="-8804"/>
-                  <a:pt x="408401" y="-12775"/>
+                  <a:pt x="921150" y="53277"/>
+                  <a:pt x="327457" y="47297"/>
                   <a:pt x="0" y="18288"/>
                 </a:cubicBezTo>
                 <a:cubicBezTo>
-                  <a:pt x="-213" y="9468"/>
-                  <a:pt x="187" y="4459"/>
+                  <a:pt x="-589" y="13471"/>
+                  <a:pt x="-474" y="7409"/>
                   <a:pt x="0" y="0"/>
                 </a:cubicBezTo>
                 <a:close/>
               </a:path>
-              <a:path w="10853928" h="18288" stroke="0" extrusionOk="0">
+              <a:path w="8140446" h="18288" stroke="0" extrusionOk="0">
                 <a:moveTo>
                   <a:pt x="0" y="0"/>
                 </a:moveTo>
                 <a:cubicBezTo>
-                  <a:pt x="267322" y="15284"/>
-                  <a:pt x="415388" y="-21048"/>
-                  <a:pt x="569831" y="0"/>
+                  <a:pt x="136968" y="-25482"/>
+                  <a:pt x="379786" y="11224"/>
+                  <a:pt x="596966" y="0"/>
                 </a:cubicBezTo>
                 <a:cubicBezTo>
-                  <a:pt x="724274" y="21048"/>
-                  <a:pt x="769333" y="-2353"/>
-                  <a:pt x="922584" y="0"/>
+                  <a:pt x="815878" y="-21223"/>
+                  <a:pt x="832062" y="11868"/>
+                  <a:pt x="1031123" y="0"/>
                 </a:cubicBezTo>
                 <a:cubicBezTo>
-                  <a:pt x="1075835" y="2353"/>
-                  <a:pt x="1399490" y="-145"/>
-                  <a:pt x="1818033" y="0"/>
+                  <a:pt x="1256800" y="-30738"/>
+                  <a:pt x="1658090" y="-20345"/>
+                  <a:pt x="1872303" y="0"/>
                 </a:cubicBezTo>
                 <a:cubicBezTo>
-                  <a:pt x="2236576" y="145"/>
-                  <a:pt x="2145330" y="5482"/>
-                  <a:pt x="2387864" y="0"/>
+                  <a:pt x="2115604" y="28431"/>
+                  <a:pt x="2277865" y="-40642"/>
+                  <a:pt x="2469269" y="0"/>
                 </a:cubicBezTo>
                 <a:cubicBezTo>
-                  <a:pt x="2630398" y="-5482"/>
-                  <a:pt x="2793207" y="18487"/>
-                  <a:pt x="2957695" y="0"/>
+                  <a:pt x="2679731" y="25919"/>
+                  <a:pt x="2788602" y="-6498"/>
+                  <a:pt x="3066235" y="0"/>
                 </a:cubicBezTo>
                 <a:cubicBezTo>
-                  <a:pt x="3122183" y="-18487"/>
-                  <a:pt x="3579141" y="19003"/>
-                  <a:pt x="3853144" y="0"/>
+                  <a:pt x="3325663" y="-14487"/>
+                  <a:pt x="3706561" y="67517"/>
+                  <a:pt x="3907414" y="0"/>
                 </a:cubicBezTo>
                 <a:cubicBezTo>
-                  <a:pt x="4127147" y="-19003"/>
-                  <a:pt x="4209857" y="12211"/>
-                  <a:pt x="4314436" y="0"/>
+                  <a:pt x="4127229" y="-37113"/>
+                  <a:pt x="4179037" y="-8167"/>
+                  <a:pt x="4422976" y="0"/>
                 </a:cubicBezTo>
                 <a:cubicBezTo>
-                  <a:pt x="4419015" y="-12211"/>
-                  <a:pt x="4762459" y="-17220"/>
-                  <a:pt x="5209885" y="0"/>
+                  <a:pt x="4683575" y="-28486"/>
+                  <a:pt x="5055803" y="-13799"/>
+                  <a:pt x="5264155" y="0"/>
                 </a:cubicBezTo>
                 <a:cubicBezTo>
-                  <a:pt x="5657311" y="17220"/>
-                  <a:pt x="5692663" y="-3290"/>
+                  <a:pt x="5513566" y="14315"/>
+                  <a:pt x="5735215" y="2768"/>
                   <a:pt x="6105335" y="0"/>
                 </a:cubicBezTo>
                 <a:cubicBezTo>
-                  <a:pt x="6518007" y="3290"/>
-                  <a:pt x="6455516" y="-5124"/>
+                  <a:pt x="6510913" y="-12587"/>
+                  <a:pt x="6456171" y="3247"/>
                   <a:pt x="6783705" y="0"/>
                 </a:cubicBezTo>
                 <a:cubicBezTo>
-                  <a:pt x="7111894" y="5124"/>
-                  <a:pt x="7441941" y="-17829"/>
-                  <a:pt x="7679154" y="0"/>
+                  <a:pt x="7057099" y="-15461"/>
+                  <a:pt x="7592067" y="5384"/>
+                  <a:pt x="8140446" y="0"/>
                 </a:cubicBezTo>
                 <a:cubicBezTo>
-                  <a:pt x="7916367" y="17829"/>
-                  <a:pt x="8102967" y="-24363"/>
-                  <a:pt x="8248985" y="0"/>
+                  <a:pt x="8140452" y="8597"/>
+                  <a:pt x="8141122" y="9732"/>
+                  <a:pt x="8140446" y="18288"/>
                 </a:cubicBezTo>
                 <a:cubicBezTo>
-                  <a:pt x="8395003" y="24363"/>
-                  <a:pt x="8552393" y="25505"/>
-                  <a:pt x="8818817" y="0"/>
+                  <a:pt x="7961834" y="8406"/>
+                  <a:pt x="7874097" y="10350"/>
+                  <a:pt x="7706289" y="18288"/>
                 </a:cubicBezTo>
                 <a:cubicBezTo>
-                  <a:pt x="9085241" y="-25505"/>
-                  <a:pt x="9411308" y="38000"/>
-                  <a:pt x="9605726" y="0"/>
+                  <a:pt x="7582508" y="-14920"/>
+                  <a:pt x="7179551" y="-33111"/>
+                  <a:pt x="6865109" y="18288"/>
                 </a:cubicBezTo>
                 <a:cubicBezTo>
-                  <a:pt x="9800144" y="-38000"/>
-                  <a:pt x="10006468" y="-25741"/>
-                  <a:pt x="10175558" y="0"/>
+                  <a:pt x="6583382" y="24117"/>
+                  <a:pt x="6525821" y="36696"/>
+                  <a:pt x="6349548" y="18288"/>
                 </a:cubicBezTo>
                 <a:cubicBezTo>
-                  <a:pt x="10344648" y="25741"/>
-                  <a:pt x="10696282" y="695"/>
-                  <a:pt x="10853928" y="0"/>
+                  <a:pt x="6209953" y="10881"/>
+                  <a:pt x="5959707" y="-47828"/>
+                  <a:pt x="5671177" y="18288"/>
                 </a:cubicBezTo>
                 <a:cubicBezTo>
-                  <a:pt x="10853521" y="8690"/>
-                  <a:pt x="10853774" y="14141"/>
-                  <a:pt x="10853928" y="18288"/>
+                  <a:pt x="5387744" y="29809"/>
+                  <a:pt x="5228514" y="101507"/>
+                  <a:pt x="4829998" y="18288"/>
                 </a:cubicBezTo>
                 <a:cubicBezTo>
-                  <a:pt x="10608124" y="24255"/>
-                  <a:pt x="10343415" y="22307"/>
-                  <a:pt x="10067018" y="18288"/>
+                  <a:pt x="4415646" y="-28596"/>
+                  <a:pt x="4343809" y="28954"/>
+                  <a:pt x="4151627" y="18288"/>
                 </a:cubicBezTo>
                 <a:cubicBezTo>
-                  <a:pt x="9790621" y="14270"/>
-                  <a:pt x="9843266" y="3564"/>
-                  <a:pt x="9714266" y="18288"/>
+                  <a:pt x="3950673" y="-9796"/>
+                  <a:pt x="3879947" y="41143"/>
+                  <a:pt x="3717470" y="18288"/>
                 </a:cubicBezTo>
                 <a:cubicBezTo>
-                  <a:pt x="9585266" y="33012"/>
-                  <a:pt x="9379484" y="1875"/>
-                  <a:pt x="9252974" y="18288"/>
+                  <a:pt x="3558660" y="10110"/>
+                  <a:pt x="3468854" y="29375"/>
+                  <a:pt x="3201909" y="18288"/>
                 </a:cubicBezTo>
                 <a:cubicBezTo>
-                  <a:pt x="9126464" y="34701"/>
-                  <a:pt x="8580678" y="-4904"/>
-                  <a:pt x="8357525" y="18288"/>
+                  <a:pt x="2965673" y="10505"/>
+                  <a:pt x="2568327" y="22116"/>
+                  <a:pt x="2360729" y="18288"/>
                 </a:cubicBezTo>
                 <a:cubicBezTo>
-                  <a:pt x="8134372" y="41480"/>
-                  <a:pt x="7903199" y="26458"/>
-                  <a:pt x="7679154" y="18288"/>
+                  <a:pt x="2171885" y="49144"/>
+                  <a:pt x="1923258" y="16020"/>
+                  <a:pt x="1682359" y="18288"/>
                 </a:cubicBezTo>
                 <a:cubicBezTo>
-                  <a:pt x="7455109" y="10118"/>
-                  <a:pt x="7435944" y="27109"/>
-                  <a:pt x="7217862" y="18288"/>
+                  <a:pt x="1430698" y="-2378"/>
+                  <a:pt x="1324229" y="-1751"/>
+                  <a:pt x="1166797" y="18288"/>
                 </a:cubicBezTo>
                 <a:cubicBezTo>
-                  <a:pt x="6999780" y="9467"/>
-                  <a:pt x="6680409" y="18985"/>
-                  <a:pt x="6539492" y="18288"/>
-                </a:cubicBezTo>
-                <a:cubicBezTo>
-                  <a:pt x="6398575" y="17592"/>
-                  <a:pt x="6312077" y="33018"/>
-                  <a:pt x="6186739" y="18288"/>
-                </a:cubicBezTo>
-                <a:cubicBezTo>
-                  <a:pt x="6061401" y="3558"/>
-                  <a:pt x="5947033" y="12075"/>
-                  <a:pt x="5833986" y="18288"/>
-                </a:cubicBezTo>
-                <a:cubicBezTo>
-                  <a:pt x="5720939" y="24501"/>
-                  <a:pt x="5482226" y="8586"/>
-                  <a:pt x="5155616" y="18288"/>
-                </a:cubicBezTo>
-                <a:cubicBezTo>
-                  <a:pt x="4829006" y="27991"/>
-                  <a:pt x="4841274" y="29316"/>
-                  <a:pt x="4694324" y="18288"/>
-                </a:cubicBezTo>
-                <a:cubicBezTo>
-                  <a:pt x="4547374" y="7260"/>
-                  <a:pt x="4077675" y="7013"/>
-                  <a:pt x="3907414" y="18288"/>
-                </a:cubicBezTo>
-                <a:cubicBezTo>
-                  <a:pt x="3737153" y="29564"/>
-                  <a:pt x="3538393" y="21630"/>
-                  <a:pt x="3446122" y="18288"/>
-                </a:cubicBezTo>
-                <a:cubicBezTo>
-                  <a:pt x="3353851" y="14946"/>
-                  <a:pt x="2990320" y="-8091"/>
-                  <a:pt x="2659212" y="18288"/>
-                </a:cubicBezTo>
-                <a:cubicBezTo>
-                  <a:pt x="2328104" y="44667"/>
-                  <a:pt x="2427653" y="9607"/>
-                  <a:pt x="2306460" y="18288"/>
-                </a:cubicBezTo>
-                <a:cubicBezTo>
-                  <a:pt x="2185267" y="26969"/>
-                  <a:pt x="1719763" y="3717"/>
-                  <a:pt x="1519550" y="18288"/>
-                </a:cubicBezTo>
-                <a:cubicBezTo>
-                  <a:pt x="1319337" y="32860"/>
-                  <a:pt x="1167371" y="17040"/>
-                  <a:pt x="1058258" y="18288"/>
-                </a:cubicBezTo>
-                <a:cubicBezTo>
-                  <a:pt x="949145" y="19536"/>
-                  <a:pt x="780234" y="31447"/>
-                  <a:pt x="705505" y="18288"/>
-                </a:cubicBezTo>
-                <a:cubicBezTo>
-                  <a:pt x="630776" y="5129"/>
-                  <a:pt x="215796" y="30056"/>
+                  <a:pt x="1001390" y="41795"/>
+                  <a:pt x="324313" y="57964"/>
                   <a:pt x="0" y="18288"/>
                 </a:cubicBezTo>
                 <a:cubicBezTo>
-                  <a:pt x="-53" y="11301"/>
-                  <a:pt x="-649" y="7756"/>
+                  <a:pt x="285" y="13135"/>
+                  <a:pt x="532" y="5956"/>
+                  <a:pt x="0" y="0"/>
+                </a:cubicBezTo>
+                <a:close/>
+              </a:path>
+              <a:path w="8140446" h="18288" fill="none" stroke="0" extrusionOk="0">
+                <a:moveTo>
+                  <a:pt x="0" y="0"/>
+                </a:moveTo>
+                <a:cubicBezTo>
+                  <a:pt x="69532" y="-6557"/>
+                  <a:pt x="264219" y="3919"/>
+                  <a:pt x="434157" y="0"/>
+                </a:cubicBezTo>
+                <a:cubicBezTo>
+                  <a:pt x="600013" y="9090"/>
+                  <a:pt x="921449" y="-13478"/>
+                  <a:pt x="1193932" y="0"/>
+                </a:cubicBezTo>
+                <a:cubicBezTo>
+                  <a:pt x="1443592" y="14844"/>
+                  <a:pt x="1471188" y="10722"/>
+                  <a:pt x="1628089" y="0"/>
+                </a:cubicBezTo>
+                <a:cubicBezTo>
+                  <a:pt x="1750006" y="-24149"/>
+                  <a:pt x="1967480" y="-14904"/>
+                  <a:pt x="2225055" y="0"/>
+                </a:cubicBezTo>
+                <a:cubicBezTo>
+                  <a:pt x="2503918" y="19247"/>
+                  <a:pt x="2709263" y="-16351"/>
+                  <a:pt x="3066235" y="0"/>
+                </a:cubicBezTo>
+                <a:cubicBezTo>
+                  <a:pt x="3429723" y="-1627"/>
+                  <a:pt x="3399401" y="30976"/>
+                  <a:pt x="3744605" y="0"/>
+                </a:cubicBezTo>
+                <a:cubicBezTo>
+                  <a:pt x="4081920" y="-40602"/>
+                  <a:pt x="4258272" y="-2441"/>
+                  <a:pt x="4504380" y="0"/>
+                </a:cubicBezTo>
+                <a:cubicBezTo>
+                  <a:pt x="4760039" y="21121"/>
+                  <a:pt x="4866555" y="-1351"/>
+                  <a:pt x="5101346" y="0"/>
+                </a:cubicBezTo>
+                <a:cubicBezTo>
+                  <a:pt x="5336279" y="1859"/>
+                  <a:pt x="5465100" y="30801"/>
+                  <a:pt x="5779717" y="0"/>
+                </a:cubicBezTo>
+                <a:cubicBezTo>
+                  <a:pt x="6117018" y="-2879"/>
+                  <a:pt x="6273497" y="-5002"/>
+                  <a:pt x="6620896" y="0"/>
+                </a:cubicBezTo>
+                <a:cubicBezTo>
+                  <a:pt x="6972306" y="38666"/>
+                  <a:pt x="6992056" y="28334"/>
+                  <a:pt x="7136458" y="0"/>
+                </a:cubicBezTo>
+                <a:cubicBezTo>
+                  <a:pt x="7325567" y="-61201"/>
+                  <a:pt x="7766555" y="-88399"/>
+                  <a:pt x="8140446" y="0"/>
+                </a:cubicBezTo>
+                <a:cubicBezTo>
+                  <a:pt x="8140031" y="7748"/>
+                  <a:pt x="8139515" y="13015"/>
+                  <a:pt x="8140446" y="18288"/>
+                </a:cubicBezTo>
+                <a:cubicBezTo>
+                  <a:pt x="7892673" y="-4012"/>
+                  <a:pt x="7668025" y="650"/>
+                  <a:pt x="7543480" y="18288"/>
+                </a:cubicBezTo>
+                <a:cubicBezTo>
+                  <a:pt x="7406710" y="-3467"/>
+                  <a:pt x="7207646" y="8893"/>
+                  <a:pt x="7109323" y="18288"/>
+                </a:cubicBezTo>
+                <a:cubicBezTo>
+                  <a:pt x="6993037" y="49011"/>
+                  <a:pt x="6598723" y="59405"/>
+                  <a:pt x="6430952" y="18288"/>
+                </a:cubicBezTo>
+                <a:cubicBezTo>
+                  <a:pt x="6284771" y="15315"/>
+                  <a:pt x="6162730" y="20350"/>
+                  <a:pt x="5915391" y="18288"/>
+                </a:cubicBezTo>
+                <a:cubicBezTo>
+                  <a:pt x="5684668" y="13603"/>
+                  <a:pt x="5422852" y="53618"/>
+                  <a:pt x="5237020" y="18288"/>
+                </a:cubicBezTo>
+                <a:cubicBezTo>
+                  <a:pt x="5035482" y="26296"/>
+                  <a:pt x="4719808" y="55145"/>
+                  <a:pt x="4558650" y="18288"/>
+                </a:cubicBezTo>
+                <a:cubicBezTo>
+                  <a:pt x="4375169" y="-35587"/>
+                  <a:pt x="4137553" y="12086"/>
+                  <a:pt x="3880279" y="18288"/>
+                </a:cubicBezTo>
+                <a:cubicBezTo>
+                  <a:pt x="3624533" y="32648"/>
+                  <a:pt x="3467387" y="6480"/>
+                  <a:pt x="3201909" y="18288"/>
+                </a:cubicBezTo>
+                <a:cubicBezTo>
+                  <a:pt x="2918126" y="73342"/>
+                  <a:pt x="2717830" y="-17156"/>
+                  <a:pt x="2604943" y="18288"/>
+                </a:cubicBezTo>
+                <a:cubicBezTo>
+                  <a:pt x="2496133" y="44525"/>
+                  <a:pt x="2003915" y="18254"/>
+                  <a:pt x="1845168" y="18288"/>
+                </a:cubicBezTo>
+                <a:cubicBezTo>
+                  <a:pt x="1694518" y="14989"/>
+                  <a:pt x="1344959" y="44188"/>
+                  <a:pt x="1166797" y="18288"/>
+                </a:cubicBezTo>
+                <a:cubicBezTo>
+                  <a:pt x="935925" y="69451"/>
+                  <a:pt x="319712" y="-63972"/>
+                  <a:pt x="0" y="18288"/>
+                </a:cubicBezTo>
+                <a:cubicBezTo>
+                  <a:pt x="1307" y="12414"/>
+                  <a:pt x="-32" y="5741"/>
                   <a:pt x="0" y="0"/>
                 </a:cubicBezTo>
                 <a:close/>
@@ -29399,11 +29434,16 @@
           </p:cNvGraphicFramePr>
           <p:nvPr>
             <p:ph idx="1"/>
+            <p:extLst>
+              <p:ext uri="{D42A27DB-BD31-4B8C-83A1-F6EECF244321}">
+                <p14:modId xmlns:p14="http://schemas.microsoft.com/office/powerpoint/2010/main" val="1524362558"/>
+              </p:ext>
+            </p:extLst>
           </p:nvPr>
         </p:nvGraphicFramePr>
         <p:xfrm>
           <a:off x="482600" y="2055309"/>
-          <a:ext cx="8178800" cy="3634038"/>
+          <a:ext cx="8178800" cy="4088315"/>
         </p:xfrm>
         <a:graphic>
           <a:graphicData uri="http://schemas.openxmlformats.org/drawingml/2006/table">
@@ -29644,15 +29684,15 @@
                     <a:p>
                       <a:pPr algn="ctr"/>
                       <a:r>
-                        <a:rPr lang="en-US" sz="1600" cap="none" spc="0" baseline="0">
+                        <a:rPr lang="en-US" sz="1600" cap="none" spc="0" baseline="0" dirty="0">
                           <a:solidFill>
                             <a:schemeClr val="tx1"/>
                           </a:solidFill>
                           <a:latin typeface="Times New Roman"/>
                         </a:rPr>
-                        <a:t>Fine-tune sentiment analysis model. Develop and train topic modeling model.</a:t>
+                        <a:t>Fine-tune sentiment analysis model. </a:t>
                       </a:r>
-                      <a:endParaRPr lang="en-US" sz="1600" cap="none" spc="0">
+                      <a:endParaRPr lang="en-US" sz="1600" cap="none" spc="0" dirty="0">
                         <a:solidFill>
                           <a:schemeClr val="tx1"/>
                         </a:solidFill>
@@ -29781,21 +29821,15 @@
                     <a:p>
                       <a:pPr algn="ctr"/>
                       <a:r>
-                        <a:rPr lang="en-US" sz="1600" cap="none" spc="0">
+                        <a:rPr lang="en-US" sz="1600" cap="none" spc="0" dirty="0">
                           <a:solidFill>
                             <a:schemeClr val="tx1"/>
                           </a:solidFill>
                           <a:latin typeface="Times New Roman"/>
+                          <a:cs typeface="Times New Roman"/>
                         </a:rPr>
-                        <a:t> Finalize sentiment analysis model and deploy it on chosen cloud platform (Google Cloud or AWS).</a:t>
+                        <a:t>Creation of Figma UI Design for the overall structure of the app.</a:t>
                       </a:r>
-                      <a:endParaRPr lang="en-US" sz="1600" cap="none" spc="0">
-                        <a:solidFill>
-                          <a:schemeClr val="tx1"/>
-                        </a:solidFill>
-                        <a:latin typeface="Times New Roman"/>
-                        <a:cs typeface="Times New Roman"/>
-                      </a:endParaRPr>
                     </a:p>
                   </a:txBody>
                   <a:tcPr marL="124051" marR="105866" marT="95424" marB="95424">
@@ -29914,15 +29948,15 @@
                     <a:p>
                       <a:pPr algn="ctr"/>
                       <a:r>
-                        <a:rPr lang="en-US" sz="1600" cap="none" spc="0">
+                        <a:rPr lang="en-US" sz="1600" cap="none" spc="0" dirty="0">
                           <a:solidFill>
                             <a:schemeClr val="tx1"/>
                           </a:solidFill>
                           <a:latin typeface="Times New Roman"/>
                         </a:rPr>
-                        <a:t>Deploy the topic modeling model on the same cloud platform. Begin testing integrated models within the app.</a:t>
+                        <a:t> Finalize sentiment analysis model and deploy it on chosen cloud platform (Google Cloud or AWS).</a:t>
                       </a:r>
-                      <a:endParaRPr lang="en-US" sz="1600" cap="none" spc="0">
+                      <a:endParaRPr lang="en-US" sz="1600" cap="none" spc="0" dirty="0">
                         <a:solidFill>
                           <a:schemeClr val="tx1"/>
                         </a:solidFill>
@@ -29982,15 +30016,15 @@
                     <a:p>
                       <a:pPr algn="ctr"/>
                       <a:r>
-                        <a:rPr lang="en-US" sz="1600" cap="none" spc="0">
+                        <a:rPr lang="en-US" sz="1600" cap="none" spc="0" dirty="0">
                           <a:solidFill>
                             <a:schemeClr val="tx1"/>
                           </a:solidFill>
                           <a:latin typeface="Times New Roman"/>
                         </a:rPr>
-                        <a:t>February 2024 –March 2024</a:t>
+                        <a:t>February 2024</a:t>
                       </a:r>
-                      <a:endParaRPr lang="en-US" sz="1600" cap="none" spc="0">
+                      <a:endParaRPr lang="en-US" sz="1600" cap="none" spc="0" dirty="0">
                         <a:solidFill>
                           <a:schemeClr val="tx1"/>
                         </a:solidFill>
@@ -30050,7 +30084,7 @@
                     <a:p>
                       <a:pPr algn="ctr"/>
                       <a:r>
-                        <a:rPr lang="en-US" sz="1600" cap="none" spc="0">
+                        <a:rPr lang="en-US" sz="1600" cap="none" spc="0" dirty="0">
                           <a:solidFill>
                             <a:schemeClr val="tx1"/>
                           </a:solidFill>
@@ -30058,7 +30092,7 @@
                         </a:rPr>
                         <a:t>Flutter App Development. Integration to cloud models</a:t>
                       </a:r>
-                      <a:endParaRPr lang="en-US" sz="1600" cap="none" spc="0">
+                      <a:endParaRPr lang="en-US" sz="1600" cap="none" spc="0" dirty="0">
                         <a:solidFill>
                           <a:schemeClr val="tx1"/>
                         </a:solidFill>
@@ -30114,6 +30148,148 @@
                   </a:ext>
                 </a:extLst>
               </a:tr>
+              <a:tr h="454277">
+                <a:tc>
+                  <a:txBody>
+                    <a:bodyPr/>
+                    <a:lstStyle/>
+                    <a:p>
+                      <a:pPr algn="ctr"/>
+                      <a:r>
+                        <a:rPr lang="en-US" sz="1600" cap="none" spc="0" dirty="0">
+                          <a:solidFill>
+                            <a:schemeClr val="tx1"/>
+                          </a:solidFill>
+                          <a:latin typeface="Times New Roman"/>
+                        </a:rPr>
+                        <a:t>March 2024</a:t>
+                      </a:r>
+                      <a:endParaRPr lang="en-US" sz="1600" cap="none" spc="0" dirty="0">
+                        <a:solidFill>
+                          <a:schemeClr val="tx1"/>
+                        </a:solidFill>
+                        <a:latin typeface="Times New Roman"/>
+                        <a:cs typeface="Times New Roman"/>
+                      </a:endParaRPr>
+                    </a:p>
+                  </a:txBody>
+                  <a:tcPr marL="124051" marR="105866" marT="95424" marB="95424">
+                    <a:lnL w="6350" cap="flat" cmpd="sng" algn="ctr">
+                      <a:solidFill>
+                        <a:schemeClr val="tx1">
+                          <a:lumMod val="50000"/>
+                          <a:lumOff val="50000"/>
+                        </a:schemeClr>
+                      </a:solidFill>
+                      <a:prstDash val="solid"/>
+                    </a:lnL>
+                    <a:lnR w="6350" cap="flat" cmpd="sng" algn="ctr">
+                      <a:solidFill>
+                        <a:schemeClr val="tx1">
+                          <a:lumMod val="50000"/>
+                          <a:lumOff val="50000"/>
+                        </a:schemeClr>
+                      </a:solidFill>
+                      <a:prstDash val="solid"/>
+                      <a:round/>
+                      <a:headEnd type="none" w="med" len="med"/>
+                      <a:tailEnd type="none" w="med" len="med"/>
+                    </a:lnR>
+                    <a:lnT w="6350" cap="flat" cmpd="sng" algn="ctr">
+                      <a:solidFill>
+                        <a:schemeClr val="tx1">
+                          <a:lumMod val="50000"/>
+                          <a:lumOff val="50000"/>
+                        </a:schemeClr>
+                      </a:solidFill>
+                      <a:prstDash val="solid"/>
+                      <a:round/>
+                      <a:headEnd type="none" w="med" len="med"/>
+                      <a:tailEnd type="none" w="med" len="med"/>
+                    </a:lnT>
+                    <a:lnB w="6350" cap="flat" cmpd="sng" algn="ctr">
+                      <a:solidFill>
+                        <a:schemeClr val="tx1">
+                          <a:lumMod val="50000"/>
+                          <a:lumOff val="50000"/>
+                        </a:schemeClr>
+                      </a:solidFill>
+                      <a:prstDash val="solid"/>
+                    </a:lnB>
+                    <a:solidFill>
+                      <a:schemeClr val="bg1"/>
+                    </a:solidFill>
+                  </a:tcPr>
+                </a:tc>
+                <a:tc>
+                  <a:txBody>
+                    <a:bodyPr/>
+                    <a:lstStyle/>
+                    <a:p>
+                      <a:pPr algn="ctr"/>
+                      <a:r>
+                        <a:rPr lang="en-US" sz="1600" cap="none" spc="0" dirty="0">
+                          <a:solidFill>
+                            <a:schemeClr val="tx1"/>
+                          </a:solidFill>
+                          <a:latin typeface="Times New Roman"/>
+                          <a:cs typeface="Times New Roman"/>
+                        </a:rPr>
+                        <a:t>Develop and Train Topic Modeling Model</a:t>
+                      </a:r>
+                    </a:p>
+                  </a:txBody>
+                  <a:tcPr marL="124051" marR="105866" marT="95424" marB="95424">
+                    <a:lnL w="6350" cap="flat" cmpd="sng" algn="ctr">
+                      <a:solidFill>
+                        <a:schemeClr val="tx1">
+                          <a:lumMod val="50000"/>
+                          <a:lumOff val="50000"/>
+                        </a:schemeClr>
+                      </a:solidFill>
+                      <a:prstDash val="solid"/>
+                      <a:round/>
+                      <a:headEnd type="none" w="med" len="med"/>
+                      <a:tailEnd type="none" w="med" len="med"/>
+                    </a:lnL>
+                    <a:lnR w="19050" cap="flat" cmpd="sng" algn="ctr">
+                      <a:solidFill>
+                        <a:schemeClr val="tx1"/>
+                      </a:solidFill>
+                      <a:prstDash val="solid"/>
+                    </a:lnR>
+                    <a:lnT w="6350" cap="flat" cmpd="sng" algn="ctr">
+                      <a:solidFill>
+                        <a:schemeClr val="tx1">
+                          <a:lumMod val="50000"/>
+                          <a:lumOff val="50000"/>
+                        </a:schemeClr>
+                      </a:solidFill>
+                      <a:prstDash val="solid"/>
+                      <a:round/>
+                      <a:headEnd type="none" w="med" len="med"/>
+                      <a:tailEnd type="none" w="med" len="med"/>
+                    </a:lnT>
+                    <a:lnB w="6350" cap="flat" cmpd="sng" algn="ctr">
+                      <a:solidFill>
+                        <a:schemeClr val="tx1">
+                          <a:lumMod val="50000"/>
+                          <a:lumOff val="50000"/>
+                        </a:schemeClr>
+                      </a:solidFill>
+                      <a:prstDash val="solid"/>
+                    </a:lnB>
+                    <a:solidFill>
+                      <a:schemeClr val="bg1"/>
+                    </a:solidFill>
+                  </a:tcPr>
+                </a:tc>
+                <a:extLst>
+                  <a:ext uri="{0D108BD9-81ED-4DB2-BD59-A6C34878D82A}">
+                    <a16:rowId xmlns:a16="http://schemas.microsoft.com/office/drawing/2014/main" val="1943065704"/>
+                  </a:ext>
+                </a:extLst>
+              </a:tr>
               <a:tr h="681371">
                 <a:tc>
                   <a:txBody>
@@ -30122,7 +30298,7 @@
                     <a:p>
                       <a:pPr algn="ctr"/>
                       <a:r>
-                        <a:rPr lang="en-US" sz="1600" cap="none" spc="0">
+                        <a:rPr lang="en-US" sz="1600" cap="none" spc="0" dirty="0">
                           <a:solidFill>
                             <a:schemeClr val="tx1"/>
                           </a:solidFill>
@@ -30130,7 +30306,7 @@
                         </a:rPr>
                         <a:t>April 2024</a:t>
                       </a:r>
-                      <a:endParaRPr lang="en-US" sz="1600" cap="none" spc="0">
+                      <a:endParaRPr lang="en-US" sz="1600" cap="none" spc="0" dirty="0">
                         <a:solidFill>
                           <a:schemeClr val="tx1"/>
                         </a:solidFill>
@@ -30154,6 +30330,9 @@
                         </a:schemeClr>
                       </a:solidFill>
                       <a:prstDash val="solid"/>
+                      <a:round/>
+                      <a:headEnd type="none" w="med" len="med"/>
+                      <a:tailEnd type="none" w="med" len="med"/>
                     </a:lnR>
                     <a:lnT w="6350" cap="flat" cmpd="sng" algn="ctr">
                       <a:solidFill>
@@ -30163,6 +30342,9 @@
                         </a:schemeClr>
                       </a:solidFill>
                       <a:prstDash val="solid"/>
+                      <a:round/>
+                      <a:headEnd type="none" w="med" len="med"/>
+                      <a:tailEnd type="none" w="med" len="med"/>
                     </a:lnT>
                     <a:lnB w="19050" cap="flat" cmpd="sng" algn="ctr">
                       <a:solidFill>
@@ -30170,7 +30352,11 @@
                       </a:solidFill>
                       <a:prstDash val="solid"/>
                     </a:lnB>
-                    <a:noFill/>
+                    <a:solidFill>
+                      <a:schemeClr val="bg1">
+                        <a:lumMod val="85000"/>
+                      </a:schemeClr>
+                    </a:solidFill>
                   </a:tcPr>
                 </a:tc>
                 <a:tc>
@@ -30182,7 +30368,7 @@
                         <a:buNone/>
                       </a:pPr>
                       <a:r>
-                        <a:rPr lang="en-US" sz="1600" cap="none" spc="0">
+                        <a:rPr lang="en-US" sz="1600" cap="none" spc="0" dirty="0">
                           <a:solidFill>
                             <a:schemeClr val="tx1"/>
                           </a:solidFill>
@@ -30190,7 +30376,7 @@
                         </a:rPr>
                         <a:t>Debugging and Testing of the Application.</a:t>
                       </a:r>
-                      <a:endParaRPr lang="en-US"/>
+                      <a:endParaRPr lang="en-US" dirty="0"/>
                     </a:p>
                   </a:txBody>
                   <a:tcPr marL="124051" marR="105866" marT="95424" marB="95424">
@@ -30202,6 +30388,9 @@
                         </a:schemeClr>
                       </a:solidFill>
                       <a:prstDash val="solid"/>
+                      <a:round/>
+                      <a:headEnd type="none" w="med" len="med"/>
+                      <a:tailEnd type="none" w="med" len="med"/>
                     </a:lnL>
                     <a:lnR w="19050" cap="flat" cmpd="sng" algn="ctr">
                       <a:solidFill>
@@ -30217,6 +30406,9 @@
                         </a:schemeClr>
                       </a:solidFill>
                       <a:prstDash val="solid"/>
+                      <a:round/>
+                      <a:headEnd type="none" w="med" len="med"/>
+                      <a:tailEnd type="none" w="med" len="med"/>
                     </a:lnT>
                     <a:lnB w="19050" cap="flat" cmpd="sng" algn="ctr">
                       <a:solidFill>
@@ -30224,7 +30416,11 @@
                       </a:solidFill>
                       <a:prstDash val="solid"/>
                     </a:lnB>
-                    <a:noFill/>
+                    <a:solidFill>
+                      <a:schemeClr val="bg1">
+                        <a:lumMod val="85000"/>
+                      </a:schemeClr>
+                    </a:solidFill>
                   </a:tcPr>
                 </a:tc>
                 <a:extLst>
@@ -32305,40 +32501,58 @@
           <a:custGeom>
             <a:avLst/>
             <a:gdLst>
-              <a:gd name="connsiteX0" fmla="*/ 0 w 4243589"/>
+              <a:gd name="connsiteX0" fmla="*/ 0 w 3182692"/>
               <a:gd name="connsiteY0" fmla="*/ 0 h 18288"/>
-              <a:gd name="connsiteX1" fmla="*/ 478919 w 4243589"/>
+              <a:gd name="connsiteX1" fmla="*/ 636538 w 3182692"/>
               <a:gd name="connsiteY1" fmla="*/ 0 h 18288"/>
-              <a:gd name="connsiteX2" fmla="*/ 957839 w 4243589"/>
+              <a:gd name="connsiteX2" fmla="*/ 1273077 w 3182692"/>
               <a:gd name="connsiteY2" fmla="*/ 0 h 18288"/>
-              <a:gd name="connsiteX3" fmla="*/ 1521630 w 4243589"/>
+              <a:gd name="connsiteX3" fmla="*/ 1909615 w 3182692"/>
               <a:gd name="connsiteY3" fmla="*/ 0 h 18288"/>
-              <a:gd name="connsiteX4" fmla="*/ 2212729 w 4243589"/>
+              <a:gd name="connsiteX4" fmla="*/ 2482500 w 3182692"/>
               <a:gd name="connsiteY4" fmla="*/ 0 h 18288"/>
-              <a:gd name="connsiteX5" fmla="*/ 2734084 w 4243589"/>
+              <a:gd name="connsiteX5" fmla="*/ 3182692 w 3182692"/>
               <a:gd name="connsiteY5" fmla="*/ 0 h 18288"/>
-              <a:gd name="connsiteX6" fmla="*/ 3255439 w 4243589"/>
-              <a:gd name="connsiteY6" fmla="*/ 0 h 18288"/>
-              <a:gd name="connsiteX7" fmla="*/ 4243589 w 4243589"/>
-              <a:gd name="connsiteY7" fmla="*/ 0 h 18288"/>
-              <a:gd name="connsiteX8" fmla="*/ 4243589 w 4243589"/>
+              <a:gd name="connsiteX6" fmla="*/ 3182692 w 3182692"/>
+              <a:gd name="connsiteY6" fmla="*/ 18288 h 18288"/>
+              <a:gd name="connsiteX7" fmla="*/ 2609807 w 3182692"/>
+              <a:gd name="connsiteY7" fmla="*/ 18288 h 18288"/>
+              <a:gd name="connsiteX8" fmla="*/ 2068750 w 3182692"/>
               <a:gd name="connsiteY8" fmla="*/ 18288 h 18288"/>
-              <a:gd name="connsiteX9" fmla="*/ 3594926 w 4243589"/>
+              <a:gd name="connsiteX9" fmla="*/ 1432211 w 3182692"/>
               <a:gd name="connsiteY9" fmla="*/ 18288 h 18288"/>
-              <a:gd name="connsiteX10" fmla="*/ 3073571 w 4243589"/>
+              <a:gd name="connsiteX10" fmla="*/ 859327 w 3182692"/>
               <a:gd name="connsiteY10" fmla="*/ 18288 h 18288"/>
-              <a:gd name="connsiteX11" fmla="*/ 2552216 w 4243589"/>
+              <a:gd name="connsiteX11" fmla="*/ 0 w 3182692"/>
               <a:gd name="connsiteY11" fmla="*/ 18288 h 18288"/>
-              <a:gd name="connsiteX12" fmla="*/ 1903553 w 4243589"/>
-              <a:gd name="connsiteY12" fmla="*/ 18288 h 18288"/>
-              <a:gd name="connsiteX13" fmla="*/ 1212454 w 4243589"/>
-              <a:gd name="connsiteY13" fmla="*/ 18288 h 18288"/>
-              <a:gd name="connsiteX14" fmla="*/ 733535 w 4243589"/>
-              <a:gd name="connsiteY14" fmla="*/ 18288 h 18288"/>
-              <a:gd name="connsiteX15" fmla="*/ 0 w 4243589"/>
-              <a:gd name="connsiteY15" fmla="*/ 18288 h 18288"/>
-              <a:gd name="connsiteX16" fmla="*/ 0 w 4243589"/>
-              <a:gd name="connsiteY16" fmla="*/ 0 h 18288"/>
+              <a:gd name="connsiteX12" fmla="*/ 0 w 3182692"/>
+              <a:gd name="connsiteY12" fmla="*/ 0 h 18288"/>
+              <a:gd name="connsiteX0" fmla="*/ 0 w 3182692"/>
+              <a:gd name="connsiteY0" fmla="*/ 0 h 18288"/>
+              <a:gd name="connsiteX1" fmla="*/ 572885 w 3182692"/>
+              <a:gd name="connsiteY1" fmla="*/ 0 h 18288"/>
+              <a:gd name="connsiteX2" fmla="*/ 1113942 w 3182692"/>
+              <a:gd name="connsiteY2" fmla="*/ 0 h 18288"/>
+              <a:gd name="connsiteX3" fmla="*/ 1686827 w 3182692"/>
+              <a:gd name="connsiteY3" fmla="*/ 0 h 18288"/>
+              <a:gd name="connsiteX4" fmla="*/ 2323365 w 3182692"/>
+              <a:gd name="connsiteY4" fmla="*/ 0 h 18288"/>
+              <a:gd name="connsiteX5" fmla="*/ 3182692 w 3182692"/>
+              <a:gd name="connsiteY5" fmla="*/ 0 h 18288"/>
+              <a:gd name="connsiteX6" fmla="*/ 3182692 w 3182692"/>
+              <a:gd name="connsiteY6" fmla="*/ 18288 h 18288"/>
+              <a:gd name="connsiteX7" fmla="*/ 2546154 w 3182692"/>
+              <a:gd name="connsiteY7" fmla="*/ 18288 h 18288"/>
+              <a:gd name="connsiteX8" fmla="*/ 1845961 w 3182692"/>
+              <a:gd name="connsiteY8" fmla="*/ 18288 h 18288"/>
+              <a:gd name="connsiteX9" fmla="*/ 1304904 w 3182692"/>
+              <a:gd name="connsiteY9" fmla="*/ 18288 h 18288"/>
+              <a:gd name="connsiteX10" fmla="*/ 604711 w 3182692"/>
+              <a:gd name="connsiteY10" fmla="*/ 18288 h 18288"/>
+              <a:gd name="connsiteX11" fmla="*/ 0 w 3182692"/>
+              <a:gd name="connsiteY11" fmla="*/ 18288 h 18288"/>
+              <a:gd name="connsiteX12" fmla="*/ 0 w 3182692"/>
+              <a:gd name="connsiteY12" fmla="*/ 0 h 18288"/>
             </a:gdLst>
             <a:ahLst/>
             <a:cxnLst>
@@ -32381,189 +32595,203 @@
               <a:cxn ang="0">
                 <a:pos x="connsiteX12" y="connsiteY12"/>
               </a:cxn>
-              <a:cxn ang="0">
-                <a:pos x="connsiteX13" y="connsiteY13"/>
-              </a:cxn>
-              <a:cxn ang="0">
-                <a:pos x="connsiteX14" y="connsiteY14"/>
-              </a:cxn>
-              <a:cxn ang="0">
-                <a:pos x="connsiteX15" y="connsiteY15"/>
-              </a:cxn>
-              <a:cxn ang="0">
-                <a:pos x="connsiteX16" y="connsiteY16"/>
-              </a:cxn>
             </a:cxnLst>
             <a:rect l="l" t="t" r="r" b="b"/>
             <a:pathLst>
-              <a:path w="4243589" h="18288" fill="none" extrusionOk="0">
+              <a:path w="3182692" h="18288" fill="none" extrusionOk="0">
                 <a:moveTo>
                   <a:pt x="0" y="0"/>
                 </a:moveTo>
                 <a:cubicBezTo>
-                  <a:pt x="213395" y="-21006"/>
-                  <a:pt x="307421" y="-18116"/>
-                  <a:pt x="478919" y="0"/>
+                  <a:pt x="225870" y="33585"/>
+                  <a:pt x="418138" y="17639"/>
+                  <a:pt x="636538" y="0"/>
                 </a:cubicBezTo>
                 <a:cubicBezTo>
-                  <a:pt x="650417" y="18116"/>
-                  <a:pt x="831092" y="-21237"/>
-                  <a:pt x="957839" y="0"/>
+                  <a:pt x="865372" y="-3887"/>
+                  <a:pt x="1010746" y="-18166"/>
+                  <a:pt x="1273077" y="0"/>
                 </a:cubicBezTo>
                 <a:cubicBezTo>
-                  <a:pt x="1084586" y="21237"/>
-                  <a:pt x="1301682" y="25124"/>
-                  <a:pt x="1521630" y="0"/>
+                  <a:pt x="1527846" y="-24408"/>
+                  <a:pt x="1703704" y="-36055"/>
+                  <a:pt x="1909615" y="0"/>
                 </a:cubicBezTo>
                 <a:cubicBezTo>
-                  <a:pt x="1741578" y="-25124"/>
-                  <a:pt x="1970269" y="-29139"/>
-                  <a:pt x="2212729" y="0"/>
+                  <a:pt x="2119487" y="1667"/>
+                  <a:pt x="2200543" y="-19343"/>
+                  <a:pt x="2482500" y="0"/>
                 </a:cubicBezTo>
                 <a:cubicBezTo>
-                  <a:pt x="2455189" y="29139"/>
-                  <a:pt x="2558847" y="-4796"/>
-                  <a:pt x="2734084" y="0"/>
+                  <a:pt x="2736775" y="57438"/>
+                  <a:pt x="2997998" y="-48885"/>
+                  <a:pt x="3182692" y="0"/>
                 </a:cubicBezTo>
                 <a:cubicBezTo>
-                  <a:pt x="2909321" y="4796"/>
-                  <a:pt x="3097217" y="-13409"/>
-                  <a:pt x="3255439" y="0"/>
+                  <a:pt x="3182658" y="4844"/>
+                  <a:pt x="3182282" y="11009"/>
+                  <a:pt x="3182692" y="18288"/>
                 </a:cubicBezTo>
                 <a:cubicBezTo>
-                  <a:pt x="3413662" y="13409"/>
-                  <a:pt x="3979999" y="-10121"/>
-                  <a:pt x="4243589" y="0"/>
+                  <a:pt x="2944477" y="15825"/>
+                  <a:pt x="2868931" y="12370"/>
+                  <a:pt x="2609807" y="18288"/>
                 </a:cubicBezTo>
                 <a:cubicBezTo>
-                  <a:pt x="4244484" y="8974"/>
-                  <a:pt x="4243043" y="9359"/>
-                  <a:pt x="4243589" y="18288"/>
+                  <a:pt x="2341556" y="6193"/>
+                  <a:pt x="2324113" y="22706"/>
+                  <a:pt x="2068750" y="18288"/>
                 </a:cubicBezTo>
                 <a:cubicBezTo>
-                  <a:pt x="4058777" y="31246"/>
-                  <a:pt x="3910348" y="3158"/>
-                  <a:pt x="3594926" y="18288"/>
+                  <a:pt x="1817163" y="7852"/>
+                  <a:pt x="1716254" y="25979"/>
+                  <a:pt x="1432211" y="18288"/>
                 </a:cubicBezTo>
                 <a:cubicBezTo>
-                  <a:pt x="3279504" y="33418"/>
-                  <a:pt x="3319955" y="-3977"/>
-                  <a:pt x="3073571" y="18288"/>
+                  <a:pt x="1164747" y="-28137"/>
+                  <a:pt x="993140" y="27575"/>
+                  <a:pt x="859327" y="18288"/>
                 </a:cubicBezTo>
                 <a:cubicBezTo>
-                  <a:pt x="2827187" y="40553"/>
-                  <a:pt x="2767387" y="1863"/>
-                  <a:pt x="2552216" y="18288"/>
-                </a:cubicBezTo>
-                <a:cubicBezTo>
-                  <a:pt x="2337046" y="34713"/>
-                  <a:pt x="2181871" y="19527"/>
-                  <a:pt x="1903553" y="18288"/>
-                </a:cubicBezTo>
-                <a:cubicBezTo>
-                  <a:pt x="1625235" y="17049"/>
-                  <a:pt x="1557672" y="24174"/>
-                  <a:pt x="1212454" y="18288"/>
-                </a:cubicBezTo>
-                <a:cubicBezTo>
-                  <a:pt x="867236" y="12402"/>
-                  <a:pt x="874382" y="15627"/>
-                  <a:pt x="733535" y="18288"/>
-                </a:cubicBezTo>
-                <a:cubicBezTo>
-                  <a:pt x="592688" y="20949"/>
-                  <a:pt x="183477" y="14753"/>
+                  <a:pt x="750703" y="-24974"/>
+                  <a:pt x="236193" y="38731"/>
                   <a:pt x="0" y="18288"/>
                 </a:cubicBezTo>
                 <a:cubicBezTo>
-                  <a:pt x="-229" y="14222"/>
-                  <a:pt x="509" y="5816"/>
+                  <a:pt x="-649" y="11698"/>
+                  <a:pt x="663" y="5413"/>
                   <a:pt x="0" y="0"/>
                 </a:cubicBezTo>
                 <a:close/>
               </a:path>
-              <a:path w="4243589" h="18288" stroke="0" extrusionOk="0">
+              <a:path w="3182692" h="18288" stroke="0" extrusionOk="0">
                 <a:moveTo>
                   <a:pt x="0" y="0"/>
                 </a:moveTo>
                 <a:cubicBezTo>
-                  <a:pt x="143690" y="16630"/>
-                  <a:pt x="266667" y="14847"/>
-                  <a:pt x="521355" y="0"/>
+                  <a:pt x="224421" y="-39331"/>
+                  <a:pt x="418777" y="11439"/>
+                  <a:pt x="572885" y="0"/>
                 </a:cubicBezTo>
                 <a:cubicBezTo>
-                  <a:pt x="776043" y="-14847"/>
-                  <a:pt x="814491" y="-17363"/>
-                  <a:pt x="1000275" y="0"/>
+                  <a:pt x="750333" y="-6388"/>
+                  <a:pt x="940592" y="15806"/>
+                  <a:pt x="1113942" y="0"/>
                 </a:cubicBezTo>
                 <a:cubicBezTo>
-                  <a:pt x="1186059" y="17363"/>
-                  <a:pt x="1352504" y="-23507"/>
-                  <a:pt x="1521630" y="0"/>
+                  <a:pt x="1322785" y="-1777"/>
+                  <a:pt x="1505363" y="28230"/>
+                  <a:pt x="1686827" y="0"/>
                 </a:cubicBezTo>
                 <a:cubicBezTo>
-                  <a:pt x="1690756" y="23507"/>
-                  <a:pt x="1889525" y="5871"/>
-                  <a:pt x="2127857" y="0"/>
+                  <a:pt x="1853304" y="1595"/>
+                  <a:pt x="2194652" y="-1232"/>
+                  <a:pt x="2323365" y="0"/>
                 </a:cubicBezTo>
                 <a:cubicBezTo>
-                  <a:pt x="2366189" y="-5871"/>
-                  <a:pt x="2620628" y="-27997"/>
-                  <a:pt x="2776520" y="0"/>
+                  <a:pt x="2488732" y="36406"/>
+                  <a:pt x="2902093" y="-40336"/>
+                  <a:pt x="3182692" y="0"/>
                 </a:cubicBezTo>
                 <a:cubicBezTo>
-                  <a:pt x="2932412" y="27997"/>
-                  <a:pt x="3131683" y="-25073"/>
-                  <a:pt x="3467618" y="0"/>
+                  <a:pt x="3182167" y="5049"/>
+                  <a:pt x="3182885" y="12044"/>
+                  <a:pt x="3182692" y="18288"/>
                 </a:cubicBezTo>
                 <a:cubicBezTo>
-                  <a:pt x="3803553" y="25073"/>
-                  <a:pt x="4017371" y="3071"/>
-                  <a:pt x="4243589" y="0"/>
+                  <a:pt x="3012563" y="-37820"/>
+                  <a:pt x="2765409" y="35618"/>
+                  <a:pt x="2546154" y="18288"/>
                 </a:cubicBezTo>
                 <a:cubicBezTo>
-                  <a:pt x="4243134" y="6162"/>
-                  <a:pt x="4243492" y="11775"/>
-                  <a:pt x="4243589" y="18288"/>
+                  <a:pt x="2333381" y="13914"/>
+                  <a:pt x="2154438" y="9838"/>
+                  <a:pt x="1845961" y="18288"/>
                 </a:cubicBezTo>
                 <a:cubicBezTo>
-                  <a:pt x="4017834" y="-5779"/>
-                  <a:pt x="3834586" y="13376"/>
-                  <a:pt x="3594926" y="18288"/>
+                  <a:pt x="1531509" y="33812"/>
+                  <a:pt x="1456631" y="-6606"/>
+                  <a:pt x="1304904" y="18288"/>
                 </a:cubicBezTo>
                 <a:cubicBezTo>
-                  <a:pt x="3355266" y="23200"/>
-                  <a:pt x="3204179" y="2869"/>
-                  <a:pt x="2903827" y="18288"/>
+                  <a:pt x="1168344" y="36351"/>
+                  <a:pt x="928499" y="15047"/>
+                  <a:pt x="604711" y="18288"/>
                 </a:cubicBezTo>
                 <a:cubicBezTo>
-                  <a:pt x="2603475" y="33707"/>
-                  <a:pt x="2526187" y="46187"/>
-                  <a:pt x="2212729" y="18288"/>
-                </a:cubicBezTo>
-                <a:cubicBezTo>
-                  <a:pt x="1899271" y="-9611"/>
-                  <a:pt x="1966289" y="29692"/>
-                  <a:pt x="1733809" y="18288"/>
-                </a:cubicBezTo>
-                <a:cubicBezTo>
-                  <a:pt x="1501329" y="6884"/>
-                  <a:pt x="1343612" y="12492"/>
-                  <a:pt x="1085146" y="18288"/>
-                </a:cubicBezTo>
-                <a:cubicBezTo>
-                  <a:pt x="826680" y="24084"/>
-                  <a:pt x="778184" y="35607"/>
-                  <a:pt x="521355" y="18288"/>
-                </a:cubicBezTo>
-                <a:cubicBezTo>
-                  <a:pt x="264526" y="969"/>
-                  <a:pt x="120277" y="4268"/>
+                  <a:pt x="285438" y="38007"/>
+                  <a:pt x="116029" y="-22204"/>
                   <a:pt x="0" y="18288"/>
                 </a:cubicBezTo>
                 <a:cubicBezTo>
-                  <a:pt x="766" y="10800"/>
-                  <a:pt x="-457" y="8180"/>
+                  <a:pt x="-39" y="12511"/>
+                  <a:pt x="-381" y="8039"/>
+                  <a:pt x="0" y="0"/>
+                </a:cubicBezTo>
+                <a:close/>
+              </a:path>
+              <a:path w="3182692" h="18288" fill="none" stroke="0" extrusionOk="0">
+                <a:moveTo>
+                  <a:pt x="0" y="0"/>
+                </a:moveTo>
+                <a:cubicBezTo>
+                  <a:pt x="245832" y="29445"/>
+                  <a:pt x="388924" y="-28919"/>
+                  <a:pt x="636538" y="0"/>
+                </a:cubicBezTo>
+                <a:cubicBezTo>
+                  <a:pt x="854919" y="4634"/>
+                  <a:pt x="991654" y="8864"/>
+                  <a:pt x="1273077" y="0"/>
+                </a:cubicBezTo>
+                <a:cubicBezTo>
+                  <a:pt x="1566644" y="-14667"/>
+                  <a:pt x="1666526" y="3717"/>
+                  <a:pt x="1909615" y="0"/>
+                </a:cubicBezTo>
+                <a:cubicBezTo>
+                  <a:pt x="2138795" y="27220"/>
+                  <a:pt x="2225506" y="-13892"/>
+                  <a:pt x="2482500" y="0"/>
+                </a:cubicBezTo>
+                <a:cubicBezTo>
+                  <a:pt x="2775583" y="32183"/>
+                  <a:pt x="3003218" y="-43687"/>
+                  <a:pt x="3182692" y="0"/>
+                </a:cubicBezTo>
+                <a:cubicBezTo>
+                  <a:pt x="3183006" y="4158"/>
+                  <a:pt x="3181713" y="12539"/>
+                  <a:pt x="3182692" y="18288"/>
+                </a:cubicBezTo>
+                <a:cubicBezTo>
+                  <a:pt x="2959845" y="25574"/>
+                  <a:pt x="2868929" y="24980"/>
+                  <a:pt x="2609807" y="18288"/>
+                </a:cubicBezTo>
+                <a:cubicBezTo>
+                  <a:pt x="2341405" y="5992"/>
+                  <a:pt x="2328488" y="20436"/>
+                  <a:pt x="2068750" y="18288"/>
+                </a:cubicBezTo>
+                <a:cubicBezTo>
+                  <a:pt x="1816113" y="2395"/>
+                  <a:pt x="1699345" y="36855"/>
+                  <a:pt x="1432211" y="18288"/>
+                </a:cubicBezTo>
+                <a:cubicBezTo>
+                  <a:pt x="1148381" y="-28184"/>
+                  <a:pt x="987622" y="2403"/>
+                  <a:pt x="859327" y="18288"/>
+                </a:cubicBezTo>
+                <a:cubicBezTo>
+                  <a:pt x="743387" y="37422"/>
+                  <a:pt x="194182" y="18789"/>
+                  <a:pt x="0" y="18288"/>
+                </a:cubicBezTo>
+                <a:cubicBezTo>
+                  <a:pt x="20" y="11469"/>
+                  <a:pt x="-29" y="5154"/>
                   <a:pt x="0" y="0"/>
                 </a:cubicBezTo>
                 <a:close/>
@@ -33315,40 +33543,58 @@
           <a:custGeom>
             <a:avLst/>
             <a:gdLst>
-              <a:gd name="connsiteX0" fmla="*/ 0 w 4243589"/>
+              <a:gd name="connsiteX0" fmla="*/ 0 w 3182692"/>
               <a:gd name="connsiteY0" fmla="*/ 0 h 18288"/>
-              <a:gd name="connsiteX1" fmla="*/ 478919 w 4243589"/>
+              <a:gd name="connsiteX1" fmla="*/ 636538 w 3182692"/>
               <a:gd name="connsiteY1" fmla="*/ 0 h 18288"/>
-              <a:gd name="connsiteX2" fmla="*/ 957839 w 4243589"/>
+              <a:gd name="connsiteX2" fmla="*/ 1273077 w 3182692"/>
               <a:gd name="connsiteY2" fmla="*/ 0 h 18288"/>
-              <a:gd name="connsiteX3" fmla="*/ 1521630 w 4243589"/>
+              <a:gd name="connsiteX3" fmla="*/ 1909615 w 3182692"/>
               <a:gd name="connsiteY3" fmla="*/ 0 h 18288"/>
-              <a:gd name="connsiteX4" fmla="*/ 2212729 w 4243589"/>
+              <a:gd name="connsiteX4" fmla="*/ 2482500 w 3182692"/>
               <a:gd name="connsiteY4" fmla="*/ 0 h 18288"/>
-              <a:gd name="connsiteX5" fmla="*/ 2734084 w 4243589"/>
+              <a:gd name="connsiteX5" fmla="*/ 3182692 w 3182692"/>
               <a:gd name="connsiteY5" fmla="*/ 0 h 18288"/>
-              <a:gd name="connsiteX6" fmla="*/ 3255439 w 4243589"/>
-              <a:gd name="connsiteY6" fmla="*/ 0 h 18288"/>
-              <a:gd name="connsiteX7" fmla="*/ 4243589 w 4243589"/>
-              <a:gd name="connsiteY7" fmla="*/ 0 h 18288"/>
-              <a:gd name="connsiteX8" fmla="*/ 4243589 w 4243589"/>
+              <a:gd name="connsiteX6" fmla="*/ 3182692 w 3182692"/>
+              <a:gd name="connsiteY6" fmla="*/ 18288 h 18288"/>
+              <a:gd name="connsiteX7" fmla="*/ 2609807 w 3182692"/>
+              <a:gd name="connsiteY7" fmla="*/ 18288 h 18288"/>
+              <a:gd name="connsiteX8" fmla="*/ 2068750 w 3182692"/>
               <a:gd name="connsiteY8" fmla="*/ 18288 h 18288"/>
-              <a:gd name="connsiteX9" fmla="*/ 3594926 w 4243589"/>
+              <a:gd name="connsiteX9" fmla="*/ 1432211 w 3182692"/>
               <a:gd name="connsiteY9" fmla="*/ 18288 h 18288"/>
-              <a:gd name="connsiteX10" fmla="*/ 3073571 w 4243589"/>
+              <a:gd name="connsiteX10" fmla="*/ 859327 w 3182692"/>
               <a:gd name="connsiteY10" fmla="*/ 18288 h 18288"/>
-              <a:gd name="connsiteX11" fmla="*/ 2552216 w 4243589"/>
+              <a:gd name="connsiteX11" fmla="*/ 0 w 3182692"/>
               <a:gd name="connsiteY11" fmla="*/ 18288 h 18288"/>
-              <a:gd name="connsiteX12" fmla="*/ 1903553 w 4243589"/>
-              <a:gd name="connsiteY12" fmla="*/ 18288 h 18288"/>
-              <a:gd name="connsiteX13" fmla="*/ 1212454 w 4243589"/>
-              <a:gd name="connsiteY13" fmla="*/ 18288 h 18288"/>
-              <a:gd name="connsiteX14" fmla="*/ 733535 w 4243589"/>
-              <a:gd name="connsiteY14" fmla="*/ 18288 h 18288"/>
-              <a:gd name="connsiteX15" fmla="*/ 0 w 4243589"/>
-              <a:gd name="connsiteY15" fmla="*/ 18288 h 18288"/>
-              <a:gd name="connsiteX16" fmla="*/ 0 w 4243589"/>
-              <a:gd name="connsiteY16" fmla="*/ 0 h 18288"/>
+              <a:gd name="connsiteX12" fmla="*/ 0 w 3182692"/>
+              <a:gd name="connsiteY12" fmla="*/ 0 h 18288"/>
+              <a:gd name="connsiteX0" fmla="*/ 0 w 3182692"/>
+              <a:gd name="connsiteY0" fmla="*/ 0 h 18288"/>
+              <a:gd name="connsiteX1" fmla="*/ 572885 w 3182692"/>
+              <a:gd name="connsiteY1" fmla="*/ 0 h 18288"/>
+              <a:gd name="connsiteX2" fmla="*/ 1113942 w 3182692"/>
+              <a:gd name="connsiteY2" fmla="*/ 0 h 18288"/>
+              <a:gd name="connsiteX3" fmla="*/ 1686827 w 3182692"/>
+              <a:gd name="connsiteY3" fmla="*/ 0 h 18288"/>
+              <a:gd name="connsiteX4" fmla="*/ 2323365 w 3182692"/>
+              <a:gd name="connsiteY4" fmla="*/ 0 h 18288"/>
+              <a:gd name="connsiteX5" fmla="*/ 3182692 w 3182692"/>
+              <a:gd name="connsiteY5" fmla="*/ 0 h 18288"/>
+              <a:gd name="connsiteX6" fmla="*/ 3182692 w 3182692"/>
+              <a:gd name="connsiteY6" fmla="*/ 18288 h 18288"/>
+              <a:gd name="connsiteX7" fmla="*/ 2546154 w 3182692"/>
+              <a:gd name="connsiteY7" fmla="*/ 18288 h 18288"/>
+              <a:gd name="connsiteX8" fmla="*/ 1845961 w 3182692"/>
+              <a:gd name="connsiteY8" fmla="*/ 18288 h 18288"/>
+              <a:gd name="connsiteX9" fmla="*/ 1304904 w 3182692"/>
+              <a:gd name="connsiteY9" fmla="*/ 18288 h 18288"/>
+              <a:gd name="connsiteX10" fmla="*/ 604711 w 3182692"/>
+              <a:gd name="connsiteY10" fmla="*/ 18288 h 18288"/>
+              <a:gd name="connsiteX11" fmla="*/ 0 w 3182692"/>
+              <a:gd name="connsiteY11" fmla="*/ 18288 h 18288"/>
+              <a:gd name="connsiteX12" fmla="*/ 0 w 3182692"/>
+              <a:gd name="connsiteY12" fmla="*/ 0 h 18288"/>
             </a:gdLst>
             <a:ahLst/>
             <a:cxnLst>
@@ -33391,189 +33637,203 @@
               <a:cxn ang="0">
                 <a:pos x="connsiteX12" y="connsiteY12"/>
               </a:cxn>
-              <a:cxn ang="0">
-                <a:pos x="connsiteX13" y="connsiteY13"/>
-              </a:cxn>
-              <a:cxn ang="0">
-                <a:pos x="connsiteX14" y="connsiteY14"/>
-              </a:cxn>
-              <a:cxn ang="0">
-                <a:pos x="connsiteX15" y="connsiteY15"/>
-              </a:cxn>
-              <a:cxn ang="0">
-                <a:pos x="connsiteX16" y="connsiteY16"/>
-              </a:cxn>
             </a:cxnLst>
             <a:rect l="l" t="t" r="r" b="b"/>
             <a:pathLst>
-              <a:path w="4243589" h="18288" fill="none" extrusionOk="0">
+              <a:path w="3182692" h="18288" fill="none" extrusionOk="0">
                 <a:moveTo>
                   <a:pt x="0" y="0"/>
                 </a:moveTo>
                 <a:cubicBezTo>
-                  <a:pt x="213395" y="-21006"/>
-                  <a:pt x="307421" y="-18116"/>
-                  <a:pt x="478919" y="0"/>
+                  <a:pt x="225870" y="33585"/>
+                  <a:pt x="418138" y="17639"/>
+                  <a:pt x="636538" y="0"/>
                 </a:cubicBezTo>
                 <a:cubicBezTo>
-                  <a:pt x="650417" y="18116"/>
-                  <a:pt x="831092" y="-21237"/>
-                  <a:pt x="957839" y="0"/>
+                  <a:pt x="865372" y="-3887"/>
+                  <a:pt x="1010746" y="-18166"/>
+                  <a:pt x="1273077" y="0"/>
                 </a:cubicBezTo>
                 <a:cubicBezTo>
-                  <a:pt x="1084586" y="21237"/>
-                  <a:pt x="1301682" y="25124"/>
-                  <a:pt x="1521630" y="0"/>
+                  <a:pt x="1527846" y="-24408"/>
+                  <a:pt x="1703704" y="-36055"/>
+                  <a:pt x="1909615" y="0"/>
                 </a:cubicBezTo>
                 <a:cubicBezTo>
-                  <a:pt x="1741578" y="-25124"/>
-                  <a:pt x="1970269" y="-29139"/>
-                  <a:pt x="2212729" y="0"/>
+                  <a:pt x="2119487" y="1667"/>
+                  <a:pt x="2200543" y="-19343"/>
+                  <a:pt x="2482500" y="0"/>
                 </a:cubicBezTo>
                 <a:cubicBezTo>
-                  <a:pt x="2455189" y="29139"/>
-                  <a:pt x="2558847" y="-4796"/>
-                  <a:pt x="2734084" y="0"/>
+                  <a:pt x="2736775" y="57438"/>
+                  <a:pt x="2997998" y="-48885"/>
+                  <a:pt x="3182692" y="0"/>
                 </a:cubicBezTo>
                 <a:cubicBezTo>
-                  <a:pt x="2909321" y="4796"/>
-                  <a:pt x="3097217" y="-13409"/>
-                  <a:pt x="3255439" y="0"/>
+                  <a:pt x="3182658" y="4844"/>
+                  <a:pt x="3182282" y="11009"/>
+                  <a:pt x="3182692" y="18288"/>
                 </a:cubicBezTo>
                 <a:cubicBezTo>
-                  <a:pt x="3413662" y="13409"/>
-                  <a:pt x="3979999" y="-10121"/>
-                  <a:pt x="4243589" y="0"/>
+                  <a:pt x="2944477" y="15825"/>
+                  <a:pt x="2868931" y="12370"/>
+                  <a:pt x="2609807" y="18288"/>
                 </a:cubicBezTo>
                 <a:cubicBezTo>
-                  <a:pt x="4244484" y="8974"/>
-                  <a:pt x="4243043" y="9359"/>
-                  <a:pt x="4243589" y="18288"/>
+                  <a:pt x="2341556" y="6193"/>
+                  <a:pt x="2324113" y="22706"/>
+                  <a:pt x="2068750" y="18288"/>
                 </a:cubicBezTo>
                 <a:cubicBezTo>
-                  <a:pt x="4058777" y="31246"/>
-                  <a:pt x="3910348" y="3158"/>
-                  <a:pt x="3594926" y="18288"/>
+                  <a:pt x="1817163" y="7852"/>
+                  <a:pt x="1716254" y="25979"/>
+                  <a:pt x="1432211" y="18288"/>
                 </a:cubicBezTo>
                 <a:cubicBezTo>
-                  <a:pt x="3279504" y="33418"/>
-                  <a:pt x="3319955" y="-3977"/>
-                  <a:pt x="3073571" y="18288"/>
+                  <a:pt x="1164747" y="-28137"/>
+                  <a:pt x="993140" y="27575"/>
+                  <a:pt x="859327" y="18288"/>
                 </a:cubicBezTo>
                 <a:cubicBezTo>
-                  <a:pt x="2827187" y="40553"/>
-                  <a:pt x="2767387" y="1863"/>
-                  <a:pt x="2552216" y="18288"/>
-                </a:cubicBezTo>
-                <a:cubicBezTo>
-                  <a:pt x="2337046" y="34713"/>
-                  <a:pt x="2181871" y="19527"/>
-                  <a:pt x="1903553" y="18288"/>
-                </a:cubicBezTo>
-                <a:cubicBezTo>
-                  <a:pt x="1625235" y="17049"/>
-                  <a:pt x="1557672" y="24174"/>
-                  <a:pt x="1212454" y="18288"/>
-                </a:cubicBezTo>
-                <a:cubicBezTo>
-                  <a:pt x="867236" y="12402"/>
-                  <a:pt x="874382" y="15627"/>
-                  <a:pt x="733535" y="18288"/>
-                </a:cubicBezTo>
-                <a:cubicBezTo>
-                  <a:pt x="592688" y="20949"/>
-                  <a:pt x="183477" y="14753"/>
+                  <a:pt x="750703" y="-24974"/>
+                  <a:pt x="236193" y="38731"/>
                   <a:pt x="0" y="18288"/>
                 </a:cubicBezTo>
                 <a:cubicBezTo>
-                  <a:pt x="-229" y="14222"/>
-                  <a:pt x="509" y="5816"/>
+                  <a:pt x="-649" y="11698"/>
+                  <a:pt x="663" y="5413"/>
                   <a:pt x="0" y="0"/>
                 </a:cubicBezTo>
                 <a:close/>
               </a:path>
-              <a:path w="4243589" h="18288" stroke="0" extrusionOk="0">
+              <a:path w="3182692" h="18288" stroke="0" extrusionOk="0">
                 <a:moveTo>
                   <a:pt x="0" y="0"/>
                 </a:moveTo>
                 <a:cubicBezTo>
-                  <a:pt x="143690" y="16630"/>
-                  <a:pt x="266667" y="14847"/>
-                  <a:pt x="521355" y="0"/>
+                  <a:pt x="224421" y="-39331"/>
+                  <a:pt x="418777" y="11439"/>
+                  <a:pt x="572885" y="0"/>
                 </a:cubicBezTo>
                 <a:cubicBezTo>
-                  <a:pt x="776043" y="-14847"/>
-                  <a:pt x="814491" y="-17363"/>
-                  <a:pt x="1000275" y="0"/>
+                  <a:pt x="750333" y="-6388"/>
+                  <a:pt x="940592" y="15806"/>
+                  <a:pt x="1113942" y="0"/>
                 </a:cubicBezTo>
                 <a:cubicBezTo>
-                  <a:pt x="1186059" y="17363"/>
-                  <a:pt x="1352504" y="-23507"/>
-                  <a:pt x="1521630" y="0"/>
+                  <a:pt x="1322785" y="-1777"/>
+                  <a:pt x="1505363" y="28230"/>
+                  <a:pt x="1686827" y="0"/>
                 </a:cubicBezTo>
                 <a:cubicBezTo>
-                  <a:pt x="1690756" y="23507"/>
-                  <a:pt x="1889525" y="5871"/>
-                  <a:pt x="2127857" y="0"/>
+                  <a:pt x="1853304" y="1595"/>
+                  <a:pt x="2194652" y="-1232"/>
+                  <a:pt x="2323365" y="0"/>
                 </a:cubicBezTo>
                 <a:cubicBezTo>
-                  <a:pt x="2366189" y="-5871"/>
-                  <a:pt x="2620628" y="-27997"/>
-                  <a:pt x="2776520" y="0"/>
+                  <a:pt x="2488732" y="36406"/>
+                  <a:pt x="2902093" y="-40336"/>
+                  <a:pt x="3182692" y="0"/>
                 </a:cubicBezTo>
                 <a:cubicBezTo>
-                  <a:pt x="2932412" y="27997"/>
-                  <a:pt x="3131683" y="-25073"/>
-                  <a:pt x="3467618" y="0"/>
+                  <a:pt x="3182167" y="5049"/>
+                  <a:pt x="3182885" y="12044"/>
+                  <a:pt x="3182692" y="18288"/>
                 </a:cubicBezTo>
                 <a:cubicBezTo>
-                  <a:pt x="3803553" y="25073"/>
-                  <a:pt x="4017371" y="3071"/>
-                  <a:pt x="4243589" y="0"/>
+                  <a:pt x="3012563" y="-37820"/>
+                  <a:pt x="2765409" y="35618"/>
+                  <a:pt x="2546154" y="18288"/>
                 </a:cubicBezTo>
                 <a:cubicBezTo>
-                  <a:pt x="4243134" y="6162"/>
-                  <a:pt x="4243492" y="11775"/>
-                  <a:pt x="4243589" y="18288"/>
+                  <a:pt x="2333381" y="13914"/>
+                  <a:pt x="2154438" y="9838"/>
+                  <a:pt x="1845961" y="18288"/>
                 </a:cubicBezTo>
                 <a:cubicBezTo>
-                  <a:pt x="4017834" y="-5779"/>
-                  <a:pt x="3834586" y="13376"/>
-                  <a:pt x="3594926" y="18288"/>
+                  <a:pt x="1531509" y="33812"/>
+                  <a:pt x="1456631" y="-6606"/>
+                  <a:pt x="1304904" y="18288"/>
                 </a:cubicBezTo>
                 <a:cubicBezTo>
-                  <a:pt x="3355266" y="23200"/>
-                  <a:pt x="3204179" y="2869"/>
-                  <a:pt x="2903827" y="18288"/>
+                  <a:pt x="1168344" y="36351"/>
+                  <a:pt x="928499" y="15047"/>
+                  <a:pt x="604711" y="18288"/>
                 </a:cubicBezTo>
                 <a:cubicBezTo>
-                  <a:pt x="2603475" y="33707"/>
-                  <a:pt x="2526187" y="46187"/>
-                  <a:pt x="2212729" y="18288"/>
-                </a:cubicBezTo>
-                <a:cubicBezTo>
-                  <a:pt x="1899271" y="-9611"/>
-                  <a:pt x="1966289" y="29692"/>
-                  <a:pt x="1733809" y="18288"/>
-                </a:cubicBezTo>
-                <a:cubicBezTo>
-                  <a:pt x="1501329" y="6884"/>
-                  <a:pt x="1343612" y="12492"/>
-                  <a:pt x="1085146" y="18288"/>
-                </a:cubicBezTo>
-                <a:cubicBezTo>
-                  <a:pt x="826680" y="24084"/>
-                  <a:pt x="778184" y="35607"/>
-                  <a:pt x="521355" y="18288"/>
-                </a:cubicBezTo>
-                <a:cubicBezTo>
-                  <a:pt x="264526" y="969"/>
-                  <a:pt x="120277" y="4268"/>
+                  <a:pt x="285438" y="38007"/>
+                  <a:pt x="116029" y="-22204"/>
                   <a:pt x="0" y="18288"/>
                 </a:cubicBezTo>
                 <a:cubicBezTo>
-                  <a:pt x="766" y="10800"/>
-                  <a:pt x="-457" y="8180"/>
+                  <a:pt x="-39" y="12511"/>
+                  <a:pt x="-381" y="8039"/>
+                  <a:pt x="0" y="0"/>
+                </a:cubicBezTo>
+                <a:close/>
+              </a:path>
+              <a:path w="3182692" h="18288" fill="none" stroke="0" extrusionOk="0">
+                <a:moveTo>
+                  <a:pt x="0" y="0"/>
+                </a:moveTo>
+                <a:cubicBezTo>
+                  <a:pt x="245832" y="29445"/>
+                  <a:pt x="388924" y="-28919"/>
+                  <a:pt x="636538" y="0"/>
+                </a:cubicBezTo>
+                <a:cubicBezTo>
+                  <a:pt x="854919" y="4634"/>
+                  <a:pt x="991654" y="8864"/>
+                  <a:pt x="1273077" y="0"/>
+                </a:cubicBezTo>
+                <a:cubicBezTo>
+                  <a:pt x="1566644" y="-14667"/>
+                  <a:pt x="1666526" y="3717"/>
+                  <a:pt x="1909615" y="0"/>
+                </a:cubicBezTo>
+                <a:cubicBezTo>
+                  <a:pt x="2138795" y="27220"/>
+                  <a:pt x="2225506" y="-13892"/>
+                  <a:pt x="2482500" y="0"/>
+                </a:cubicBezTo>
+                <a:cubicBezTo>
+                  <a:pt x="2775583" y="32183"/>
+                  <a:pt x="3003218" y="-43687"/>
+                  <a:pt x="3182692" y="0"/>
+                </a:cubicBezTo>
+                <a:cubicBezTo>
+                  <a:pt x="3183006" y="4158"/>
+                  <a:pt x="3181713" y="12539"/>
+                  <a:pt x="3182692" y="18288"/>
+                </a:cubicBezTo>
+                <a:cubicBezTo>
+                  <a:pt x="2959845" y="25574"/>
+                  <a:pt x="2868929" y="24980"/>
+                  <a:pt x="2609807" y="18288"/>
+                </a:cubicBezTo>
+                <a:cubicBezTo>
+                  <a:pt x="2341405" y="5992"/>
+                  <a:pt x="2328488" y="20436"/>
+                  <a:pt x="2068750" y="18288"/>
+                </a:cubicBezTo>
+                <a:cubicBezTo>
+                  <a:pt x="1816113" y="2395"/>
+                  <a:pt x="1699345" y="36855"/>
+                  <a:pt x="1432211" y="18288"/>
+                </a:cubicBezTo>
+                <a:cubicBezTo>
+                  <a:pt x="1148381" y="-28184"/>
+                  <a:pt x="987622" y="2403"/>
+                  <a:pt x="859327" y="18288"/>
+                </a:cubicBezTo>
+                <a:cubicBezTo>
+                  <a:pt x="743387" y="37422"/>
+                  <a:pt x="194182" y="18789"/>
+                  <a:pt x="0" y="18288"/>
+                </a:cubicBezTo>
+                <a:cubicBezTo>
+                  <a:pt x="20" y="11469"/>
+                  <a:pt x="-29" y="5154"/>
                   <a:pt x="0" y="0"/>
                 </a:cubicBezTo>
                 <a:close/>
@@ -34188,43 +34448,81 @@
             <a:avLst/>
             <a:gdLst>
               <a:gd name="connsiteX0" fmla="*/ 0 w 5410200"/>
-              <a:gd name="connsiteY0" fmla="*/ 0 h 18288"/>
+              <a:gd name="connsiteY0" fmla="*/ 0 h 13716"/>
               <a:gd name="connsiteX1" fmla="*/ 568071 w 5410200"/>
-              <a:gd name="connsiteY1" fmla="*/ 0 h 18288"/>
+              <a:gd name="connsiteY1" fmla="*/ 0 h 13716"/>
               <a:gd name="connsiteX2" fmla="*/ 1298448 w 5410200"/>
-              <a:gd name="connsiteY2" fmla="*/ 0 h 18288"/>
+              <a:gd name="connsiteY2" fmla="*/ 0 h 13716"/>
               <a:gd name="connsiteX3" fmla="*/ 1920621 w 5410200"/>
-              <a:gd name="connsiteY3" fmla="*/ 0 h 18288"/>
+              <a:gd name="connsiteY3" fmla="*/ 0 h 13716"/>
               <a:gd name="connsiteX4" fmla="*/ 2488692 w 5410200"/>
-              <a:gd name="connsiteY4" fmla="*/ 0 h 18288"/>
+              <a:gd name="connsiteY4" fmla="*/ 0 h 13716"/>
               <a:gd name="connsiteX5" fmla="*/ 3219069 w 5410200"/>
-              <a:gd name="connsiteY5" fmla="*/ 0 h 18288"/>
+              <a:gd name="connsiteY5" fmla="*/ 0 h 13716"/>
               <a:gd name="connsiteX6" fmla="*/ 3895344 w 5410200"/>
-              <a:gd name="connsiteY6" fmla="*/ 0 h 18288"/>
+              <a:gd name="connsiteY6" fmla="*/ 0 h 13716"/>
               <a:gd name="connsiteX7" fmla="*/ 4571619 w 5410200"/>
-              <a:gd name="connsiteY7" fmla="*/ 0 h 18288"/>
+              <a:gd name="connsiteY7" fmla="*/ 0 h 13716"/>
               <a:gd name="connsiteX8" fmla="*/ 5410200 w 5410200"/>
-              <a:gd name="connsiteY8" fmla="*/ 0 h 18288"/>
+              <a:gd name="connsiteY8" fmla="*/ 0 h 13716"/>
               <a:gd name="connsiteX9" fmla="*/ 5410200 w 5410200"/>
-              <a:gd name="connsiteY9" fmla="*/ 18288 h 18288"/>
+              <a:gd name="connsiteY9" fmla="*/ 13716 h 13716"/>
               <a:gd name="connsiteX10" fmla="*/ 4842129 w 5410200"/>
-              <a:gd name="connsiteY10" fmla="*/ 18288 h 18288"/>
+              <a:gd name="connsiteY10" fmla="*/ 13716 h 13716"/>
               <a:gd name="connsiteX11" fmla="*/ 4328160 w 5410200"/>
-              <a:gd name="connsiteY11" fmla="*/ 18288 h 18288"/>
+              <a:gd name="connsiteY11" fmla="*/ 13716 h 13716"/>
               <a:gd name="connsiteX12" fmla="*/ 3597783 w 5410200"/>
-              <a:gd name="connsiteY12" fmla="*/ 18288 h 18288"/>
+              <a:gd name="connsiteY12" fmla="*/ 13716 h 13716"/>
               <a:gd name="connsiteX13" fmla="*/ 3029712 w 5410200"/>
-              <a:gd name="connsiteY13" fmla="*/ 18288 h 18288"/>
+              <a:gd name="connsiteY13" fmla="*/ 13716 h 13716"/>
               <a:gd name="connsiteX14" fmla="*/ 2299335 w 5410200"/>
-              <a:gd name="connsiteY14" fmla="*/ 18288 h 18288"/>
+              <a:gd name="connsiteY14" fmla="*/ 13716 h 13716"/>
               <a:gd name="connsiteX15" fmla="*/ 1514856 w 5410200"/>
-              <a:gd name="connsiteY15" fmla="*/ 18288 h 18288"/>
+              <a:gd name="connsiteY15" fmla="*/ 13716 h 13716"/>
               <a:gd name="connsiteX16" fmla="*/ 892683 w 5410200"/>
-              <a:gd name="connsiteY16" fmla="*/ 18288 h 18288"/>
+              <a:gd name="connsiteY16" fmla="*/ 13716 h 13716"/>
               <a:gd name="connsiteX17" fmla="*/ 0 w 5410200"/>
-              <a:gd name="connsiteY17" fmla="*/ 18288 h 18288"/>
+              <a:gd name="connsiteY17" fmla="*/ 13716 h 13716"/>
               <a:gd name="connsiteX18" fmla="*/ 0 w 5410200"/>
-              <a:gd name="connsiteY18" fmla="*/ 0 h 18288"/>
+              <a:gd name="connsiteY18" fmla="*/ 0 h 13716"/>
+              <a:gd name="connsiteX0" fmla="*/ 0 w 5410200"/>
+              <a:gd name="connsiteY0" fmla="*/ 0 h 13716"/>
+              <a:gd name="connsiteX1" fmla="*/ 622173 w 5410200"/>
+              <a:gd name="connsiteY1" fmla="*/ 0 h 13716"/>
+              <a:gd name="connsiteX2" fmla="*/ 1136142 w 5410200"/>
+              <a:gd name="connsiteY2" fmla="*/ 0 h 13716"/>
+              <a:gd name="connsiteX3" fmla="*/ 1920621 w 5410200"/>
+              <a:gd name="connsiteY3" fmla="*/ 0 h 13716"/>
+              <a:gd name="connsiteX4" fmla="*/ 2542794 w 5410200"/>
+              <a:gd name="connsiteY4" fmla="*/ 0 h 13716"/>
+              <a:gd name="connsiteX5" fmla="*/ 3164967 w 5410200"/>
+              <a:gd name="connsiteY5" fmla="*/ 0 h 13716"/>
+              <a:gd name="connsiteX6" fmla="*/ 3949446 w 5410200"/>
+              <a:gd name="connsiteY6" fmla="*/ 0 h 13716"/>
+              <a:gd name="connsiteX7" fmla="*/ 4517517 w 5410200"/>
+              <a:gd name="connsiteY7" fmla="*/ 0 h 13716"/>
+              <a:gd name="connsiteX8" fmla="*/ 5410200 w 5410200"/>
+              <a:gd name="connsiteY8" fmla="*/ 0 h 13716"/>
+              <a:gd name="connsiteX9" fmla="*/ 5410200 w 5410200"/>
+              <a:gd name="connsiteY9" fmla="*/ 13716 h 13716"/>
+              <a:gd name="connsiteX10" fmla="*/ 4842129 w 5410200"/>
+              <a:gd name="connsiteY10" fmla="*/ 13716 h 13716"/>
+              <a:gd name="connsiteX11" fmla="*/ 4165854 w 5410200"/>
+              <a:gd name="connsiteY11" fmla="*/ 13716 h 13716"/>
+              <a:gd name="connsiteX12" fmla="*/ 3543681 w 5410200"/>
+              <a:gd name="connsiteY12" fmla="*/ 13716 h 13716"/>
+              <a:gd name="connsiteX13" fmla="*/ 2759202 w 5410200"/>
+              <a:gd name="connsiteY13" fmla="*/ 13716 h 13716"/>
+              <a:gd name="connsiteX14" fmla="*/ 1974723 w 5410200"/>
+              <a:gd name="connsiteY14" fmla="*/ 13716 h 13716"/>
+              <a:gd name="connsiteX15" fmla="*/ 1406652 w 5410200"/>
+              <a:gd name="connsiteY15" fmla="*/ 13716 h 13716"/>
+              <a:gd name="connsiteX16" fmla="*/ 730377 w 5410200"/>
+              <a:gd name="connsiteY16" fmla="*/ 13716 h 13716"/>
+              <a:gd name="connsiteX17" fmla="*/ 0 w 5410200"/>
+              <a:gd name="connsiteY17" fmla="*/ 13716 h 13716"/>
+              <a:gd name="connsiteX18" fmla="*/ 0 w 5410200"/>
+              <a:gd name="connsiteY18" fmla="*/ 0 h 13716"/>
             </a:gdLst>
             <a:ahLst/>
             <a:cxnLst>
@@ -34288,194 +34586,290 @@
             </a:cxnLst>
             <a:rect l="l" t="t" r="r" b="b"/>
             <a:pathLst>
-              <a:path w="5410200" h="18288" fill="none" extrusionOk="0">
+              <a:path w="5410200" h="13716" fill="none" extrusionOk="0">
                 <a:moveTo>
                   <a:pt x="0" y="0"/>
                 </a:moveTo>
                 <a:cubicBezTo>
-                  <a:pt x="163050" y="-18707"/>
-                  <a:pt x="319321" y="-16364"/>
+                  <a:pt x="176940" y="8795"/>
+                  <a:pt x="295530" y="-3818"/>
                   <a:pt x="568071" y="0"/>
                 </a:cubicBezTo>
                 <a:cubicBezTo>
-                  <a:pt x="816821" y="16364"/>
-                  <a:pt x="1013224" y="-7268"/>
+                  <a:pt x="821049" y="-7814"/>
+                  <a:pt x="977778" y="-9274"/>
                   <a:pt x="1298448" y="0"/>
                 </a:cubicBezTo>
                 <a:cubicBezTo>
-                  <a:pt x="1583672" y="7268"/>
-                  <a:pt x="1631711" y="-3367"/>
+                  <a:pt x="1590381" y="13044"/>
+                  <a:pt x="1630605" y="-28"/>
                   <a:pt x="1920621" y="0"/>
                 </a:cubicBezTo>
                 <a:cubicBezTo>
-                  <a:pt x="2209531" y="3367"/>
-                  <a:pt x="2364420" y="-19184"/>
+                  <a:pt x="2206035" y="10386"/>
+                  <a:pt x="2357755" y="-28028"/>
                   <a:pt x="2488692" y="0"/>
                 </a:cubicBezTo>
                 <a:cubicBezTo>
-                  <a:pt x="2612964" y="19184"/>
-                  <a:pt x="3023298" y="-34627"/>
+                  <a:pt x="2633521" y="25625"/>
+                  <a:pt x="3022777" y="-45440"/>
                   <a:pt x="3219069" y="0"/>
                 </a:cubicBezTo>
                 <a:cubicBezTo>
-                  <a:pt x="3414840" y="34627"/>
-                  <a:pt x="3656810" y="24043"/>
+                  <a:pt x="3460337" y="63290"/>
+                  <a:pt x="3645640" y="26494"/>
                   <a:pt x="3895344" y="0"/>
                 </a:cubicBezTo>
                 <a:cubicBezTo>
-                  <a:pt x="4133879" y="-24043"/>
-                  <a:pt x="4393984" y="-19577"/>
+                  <a:pt x="4126339" y="-535"/>
+                  <a:pt x="4382665" y="-55222"/>
                   <a:pt x="4571619" y="0"/>
                 </a:cubicBezTo>
                 <a:cubicBezTo>
-                  <a:pt x="4749255" y="19577"/>
-                  <a:pt x="5179928" y="-6281"/>
+                  <a:pt x="4776405" y="-816"/>
+                  <a:pt x="5201098" y="-43036"/>
                   <a:pt x="5410200" y="0"/>
                 </a:cubicBezTo>
                 <a:cubicBezTo>
-                  <a:pt x="5410730" y="6954"/>
-                  <a:pt x="5410934" y="12839"/>
-                  <a:pt x="5410200" y="18288"/>
+                  <a:pt x="5409052" y="2649"/>
+                  <a:pt x="5410186" y="9063"/>
+                  <a:pt x="5410200" y="13716"/>
                 </a:cubicBezTo>
                 <a:cubicBezTo>
-                  <a:pt x="5139060" y="6751"/>
-                  <a:pt x="5121593" y="31035"/>
-                  <a:pt x="4842129" y="18288"/>
+                  <a:pt x="5133704" y="5182"/>
+                  <a:pt x="5123444" y="31477"/>
+                  <a:pt x="4842129" y="13716"/>
                 </a:cubicBezTo>
                 <a:cubicBezTo>
-                  <a:pt x="4562665" y="5541"/>
-                  <a:pt x="4448273" y="9487"/>
-                  <a:pt x="4328160" y="18288"/>
+                  <a:pt x="4568650" y="-219"/>
+                  <a:pt x="4447390" y="8221"/>
+                  <a:pt x="4328160" y="13716"/>
                 </a:cubicBezTo>
                 <a:cubicBezTo>
-                  <a:pt x="4208047" y="27089"/>
-                  <a:pt x="3760936" y="22567"/>
-                  <a:pt x="3597783" y="18288"/>
+                  <a:pt x="4227436" y="28078"/>
+                  <a:pt x="3754725" y="-2253"/>
+                  <a:pt x="3597783" y="13716"/>
                 </a:cubicBezTo>
                 <a:cubicBezTo>
-                  <a:pt x="3434630" y="14009"/>
-                  <a:pt x="3299718" y="33213"/>
-                  <a:pt x="3029712" y="18288"/>
+                  <a:pt x="3459353" y="10223"/>
+                  <a:pt x="3317740" y="47315"/>
+                  <a:pt x="3029712" y="13716"/>
                 </a:cubicBezTo>
                 <a:cubicBezTo>
-                  <a:pt x="2759706" y="3363"/>
-                  <a:pt x="2640159" y="27394"/>
-                  <a:pt x="2299335" y="18288"/>
+                  <a:pt x="2766446" y="5245"/>
+                  <a:pt x="2645518" y="35922"/>
+                  <a:pt x="2299335" y="13716"/>
                 </a:cubicBezTo>
                 <a:cubicBezTo>
-                  <a:pt x="1958511" y="9182"/>
-                  <a:pt x="1801186" y="28985"/>
-                  <a:pt x="1514856" y="18288"/>
+                  <a:pt x="1977844" y="23735"/>
+                  <a:pt x="1781583" y="-1801"/>
+                  <a:pt x="1514856" y="13716"/>
                 </a:cubicBezTo>
                 <a:cubicBezTo>
-                  <a:pt x="1228526" y="7591"/>
-                  <a:pt x="1063509" y="-5305"/>
-                  <a:pt x="892683" y="18288"/>
+                  <a:pt x="1212648" y="18781"/>
+                  <a:pt x="1087880" y="-4407"/>
+                  <a:pt x="892683" y="13716"/>
                 </a:cubicBezTo>
                 <a:cubicBezTo>
-                  <a:pt x="721857" y="41881"/>
-                  <a:pt x="186945" y="-20897"/>
-                  <a:pt x="0" y="18288"/>
+                  <a:pt x="745769" y="11772"/>
+                  <a:pt x="183254" y="-32062"/>
+                  <a:pt x="0" y="13716"/>
                 </a:cubicBezTo>
                 <a:cubicBezTo>
-                  <a:pt x="-570" y="9279"/>
-                  <a:pt x="132" y="5100"/>
+                  <a:pt x="-907" y="9799"/>
+                  <a:pt x="-75" y="7151"/>
                   <a:pt x="0" y="0"/>
                 </a:cubicBezTo>
                 <a:close/>
               </a:path>
-              <a:path w="5410200" h="18288" stroke="0" extrusionOk="0">
+              <a:path w="5410200" h="13716" stroke="0" extrusionOk="0">
                 <a:moveTo>
                   <a:pt x="0" y="0"/>
                 </a:moveTo>
                 <a:cubicBezTo>
-                  <a:pt x="285096" y="-4925"/>
-                  <a:pt x="376456" y="22268"/>
+                  <a:pt x="269468" y="-22806"/>
+                  <a:pt x="392563" y="4840"/>
                   <a:pt x="622173" y="0"/>
                 </a:cubicBezTo>
                 <a:cubicBezTo>
-                  <a:pt x="867890" y="-22268"/>
-                  <a:pt x="1031392" y="7228"/>
+                  <a:pt x="884216" y="-2196"/>
+                  <a:pt x="1034637" y="7784"/>
                   <a:pt x="1136142" y="0"/>
                 </a:cubicBezTo>
                 <a:cubicBezTo>
-                  <a:pt x="1240892" y="-7228"/>
-                  <a:pt x="1561853" y="9877"/>
+                  <a:pt x="1204956" y="5920"/>
+                  <a:pt x="1559779" y="-61408"/>
                   <a:pt x="1920621" y="0"/>
                 </a:cubicBezTo>
                 <a:cubicBezTo>
-                  <a:pt x="2279389" y="-9877"/>
-                  <a:pt x="2367255" y="19546"/>
+                  <a:pt x="2280250" y="-18581"/>
+                  <a:pt x="2372470" y="4128"/>
                   <a:pt x="2542794" y="0"/>
                 </a:cubicBezTo>
                 <a:cubicBezTo>
-                  <a:pt x="2718333" y="-19546"/>
-                  <a:pt x="2866732" y="-22226"/>
+                  <a:pt x="2688150" y="-17189"/>
+                  <a:pt x="2885478" y="-51412"/>
                   <a:pt x="3164967" y="0"/>
                 </a:cubicBezTo>
                 <a:cubicBezTo>
-                  <a:pt x="3463202" y="22226"/>
-                  <a:pt x="3568055" y="-2765"/>
+                  <a:pt x="3470933" y="16143"/>
+                  <a:pt x="3588003" y="-4313"/>
                   <a:pt x="3949446" y="0"/>
                 </a:cubicBezTo>
                 <a:cubicBezTo>
-                  <a:pt x="4330837" y="2765"/>
-                  <a:pt x="4287895" y="10557"/>
+                  <a:pt x="4331172" y="1470"/>
+                  <a:pt x="4289286" y="5331"/>
                   <a:pt x="4517517" y="0"/>
                 </a:cubicBezTo>
                 <a:cubicBezTo>
-                  <a:pt x="4747139" y="-10557"/>
-                  <a:pt x="5149588" y="8716"/>
+                  <a:pt x="4736577" y="41911"/>
+                  <a:pt x="5141868" y="443"/>
                   <a:pt x="5410200" y="0"/>
                 </a:cubicBezTo>
                 <a:cubicBezTo>
-                  <a:pt x="5409517" y="5414"/>
-                  <a:pt x="5409480" y="12510"/>
-                  <a:pt x="5410200" y="18288"/>
+                  <a:pt x="5410845" y="2936"/>
+                  <a:pt x="5409877" y="9829"/>
+                  <a:pt x="5410200" y="13716"/>
                 </a:cubicBezTo>
                 <a:cubicBezTo>
-                  <a:pt x="5163327" y="41494"/>
-                  <a:pt x="5008749" y="10693"/>
-                  <a:pt x="4842129" y="18288"/>
+                  <a:pt x="5130880" y="48304"/>
+                  <a:pt x="5008082" y="-27188"/>
+                  <a:pt x="4842129" y="13716"/>
                 </a:cubicBezTo>
                 <a:cubicBezTo>
-                  <a:pt x="4675509" y="25883"/>
-                  <a:pt x="4433401" y="-615"/>
-                  <a:pt x="4165854" y="18288"/>
+                  <a:pt x="4629232" y="38478"/>
+                  <a:pt x="4430159" y="43872"/>
+                  <a:pt x="4165854" y="13716"/>
                 </a:cubicBezTo>
                 <a:cubicBezTo>
-                  <a:pt x="3898308" y="37191"/>
-                  <a:pt x="3809032" y="-8710"/>
-                  <a:pt x="3543681" y="18288"/>
+                  <a:pt x="3880517" y="17026"/>
+                  <a:pt x="3820863" y="-12209"/>
+                  <a:pt x="3543681" y="13716"/>
                 </a:cubicBezTo>
                 <a:cubicBezTo>
-                  <a:pt x="3278330" y="45286"/>
-                  <a:pt x="3073876" y="-15917"/>
-                  <a:pt x="2759202" y="18288"/>
+                  <a:pt x="3267577" y="39687"/>
+                  <a:pt x="3047131" y="-8774"/>
+                  <a:pt x="2759202" y="13716"/>
                 </a:cubicBezTo>
                 <a:cubicBezTo>
-                  <a:pt x="2444528" y="52493"/>
-                  <a:pt x="2204144" y="3372"/>
-                  <a:pt x="1974723" y="18288"/>
+                  <a:pt x="2418778" y="17929"/>
+                  <a:pt x="2206820" y="-35095"/>
+                  <a:pt x="1974723" y="13716"/>
                 </a:cubicBezTo>
                 <a:cubicBezTo>
-                  <a:pt x="1745302" y="33204"/>
-                  <a:pt x="1602335" y="31490"/>
-                  <a:pt x="1406652" y="18288"/>
+                  <a:pt x="1740429" y="35710"/>
+                  <a:pt x="1599301" y="34493"/>
+                  <a:pt x="1406652" y="13716"/>
                 </a:cubicBezTo>
                 <a:cubicBezTo>
-                  <a:pt x="1210969" y="5086"/>
-                  <a:pt x="923948" y="3161"/>
-                  <a:pt x="730377" y="18288"/>
+                  <a:pt x="1196601" y="3966"/>
+                  <a:pt x="938578" y="38717"/>
+                  <a:pt x="730377" y="13716"/>
                 </a:cubicBezTo>
                 <a:cubicBezTo>
-                  <a:pt x="536806" y="33415"/>
-                  <a:pt x="336496" y="-141"/>
-                  <a:pt x="0" y="18288"/>
+                  <a:pt x="524173" y="26651"/>
+                  <a:pt x="336004" y="-17469"/>
+                  <a:pt x="0" y="13716"/>
                 </a:cubicBezTo>
                 <a:cubicBezTo>
-                  <a:pt x="-306" y="11061"/>
-                  <a:pt x="-655" y="7751"/>
+                  <a:pt x="-377" y="9245"/>
+                  <a:pt x="1157" y="3819"/>
+                  <a:pt x="0" y="0"/>
+                </a:cubicBezTo>
+                <a:close/>
+              </a:path>
+              <a:path w="5410200" h="13716" fill="none" stroke="0" extrusionOk="0">
+                <a:moveTo>
+                  <a:pt x="0" y="0"/>
+                </a:moveTo>
+                <a:cubicBezTo>
+                  <a:pt x="148438" y="-27720"/>
+                  <a:pt x="315263" y="-14841"/>
+                  <a:pt x="568071" y="0"/>
+                </a:cubicBezTo>
+                <a:cubicBezTo>
+                  <a:pt x="840209" y="21288"/>
+                  <a:pt x="982180" y="-6281"/>
+                  <a:pt x="1298448" y="0"/>
+                </a:cubicBezTo>
+                <a:cubicBezTo>
+                  <a:pt x="1577021" y="13763"/>
+                  <a:pt x="1630910" y="1060"/>
+                  <a:pt x="1920621" y="0"/>
+                </a:cubicBezTo>
+                <a:cubicBezTo>
+                  <a:pt x="2200928" y="-1340"/>
+                  <a:pt x="2382869" y="-10369"/>
+                  <a:pt x="2488692" y="0"/>
+                </a:cubicBezTo>
+                <a:cubicBezTo>
+                  <a:pt x="2620356" y="20061"/>
+                  <a:pt x="3042766" y="-74691"/>
+                  <a:pt x="3219069" y="0"/>
+                </a:cubicBezTo>
+                <a:cubicBezTo>
+                  <a:pt x="3395755" y="31704"/>
+                  <a:pt x="3646717" y="33546"/>
+                  <a:pt x="3895344" y="0"/>
+                </a:cubicBezTo>
+                <a:cubicBezTo>
+                  <a:pt x="4131847" y="-43416"/>
+                  <a:pt x="4371681" y="11418"/>
+                  <a:pt x="4571619" y="0"/>
+                </a:cubicBezTo>
+                <a:cubicBezTo>
+                  <a:pt x="4799447" y="47677"/>
+                  <a:pt x="5212547" y="1562"/>
+                  <a:pt x="5410200" y="0"/>
+                </a:cubicBezTo>
+                <a:cubicBezTo>
+                  <a:pt x="5408905" y="2744"/>
+                  <a:pt x="5410401" y="9950"/>
+                  <a:pt x="5410200" y="13716"/>
+                </a:cubicBezTo>
+                <a:cubicBezTo>
+                  <a:pt x="5139576" y="2947"/>
+                  <a:pt x="5122299" y="33775"/>
+                  <a:pt x="4842129" y="13716"/>
+                </a:cubicBezTo>
+                <a:cubicBezTo>
+                  <a:pt x="4566356" y="6655"/>
+                  <a:pt x="4456854" y="15426"/>
+                  <a:pt x="4328160" y="13716"/>
+                </a:cubicBezTo>
+                <a:cubicBezTo>
+                  <a:pt x="4234703" y="-822"/>
+                  <a:pt x="3768176" y="-16062"/>
+                  <a:pt x="3597783" y="13716"/>
+                </a:cubicBezTo>
+                <a:cubicBezTo>
+                  <a:pt x="3430303" y="10148"/>
+                  <a:pt x="3287506" y="20215"/>
+                  <a:pt x="3029712" y="13716"/>
+                </a:cubicBezTo>
+                <a:cubicBezTo>
+                  <a:pt x="2742636" y="-2421"/>
+                  <a:pt x="2637847" y="18109"/>
+                  <a:pt x="2299335" y="13716"/>
+                </a:cubicBezTo>
+                <a:cubicBezTo>
+                  <a:pt x="1959433" y="-7861"/>
+                  <a:pt x="1779456" y="37101"/>
+                  <a:pt x="1514856" y="13716"/>
+                </a:cubicBezTo>
+                <a:cubicBezTo>
+                  <a:pt x="1212431" y="31797"/>
+                  <a:pt x="1086601" y="7282"/>
+                  <a:pt x="892683" y="13716"/>
+                </a:cubicBezTo>
+                <a:cubicBezTo>
+                  <a:pt x="721500" y="45800"/>
+                  <a:pt x="194249" y="-29802"/>
+                  <a:pt x="0" y="13716"/>
+                </a:cubicBezTo>
+                <a:cubicBezTo>
+                  <a:pt x="-508" y="9800"/>
+                  <a:pt x="-280" y="6827"/>
                   <a:pt x="0" y="0"/>
                 </a:cubicBezTo>
                 <a:close/>
